--- a/LendingClubCaseStudy.pptx
+++ b/LendingClubCaseStudy.pptx
@@ -24168,7 +24168,7 @@
             <a:pPr lvl="1"/>
             <a:r>
               <a:rPr lang="en-US" sz="2000" dirty="0"/>
-              <a:t>Drop columns with with few values or not be useful for analysis</a:t>
+              <a:t>Drop columns with few values or not be useful for analysis</a:t>
             </a:r>
           </a:p>
           <a:p>
@@ -25039,15 +25039,7 @@
           <a:p>
             <a:r>
               <a:rPr lang="en-US" sz="2400" dirty="0"/>
-              <a:t>The following variables were considered for Univariate </a:t>
-            </a:r>
-            <a:r>
-              <a:rPr lang="en-US" sz="2400" dirty="0" err="1"/>
-              <a:t>Anlysis</a:t>
-            </a:r>
-            <a:r>
-              <a:rPr lang="en-US" sz="2400" dirty="0"/>
-              <a:t>:</a:t>
+              <a:t>The following variables were considered for Univariate Analysis:</a:t>
             </a:r>
           </a:p>
           <a:p>

--- a/LendingClubCaseStudy.pptx
+++ b/LendingClubCaseStudy.pptx
@@ -41,13 +41,10 @@
     <p:sldId id="278" r:id="rId35"/>
     <p:sldId id="262" r:id="rId36"/>
     <p:sldId id="276" r:id="rId37"/>
-    <p:sldId id="274" r:id="rId38"/>
-    <p:sldId id="279" r:id="rId39"/>
-    <p:sldId id="299" r:id="rId40"/>
-    <p:sldId id="301" r:id="rId41"/>
-    <p:sldId id="302" r:id="rId42"/>
-    <p:sldId id="303" r:id="rId43"/>
-    <p:sldId id="304" r:id="rId44"/>
+    <p:sldId id="279" r:id="rId38"/>
+    <p:sldId id="299" r:id="rId39"/>
+    <p:sldId id="302" r:id="rId40"/>
+    <p:sldId id="304" r:id="rId41"/>
   </p:sldIdLst>
   <p:sldSz cx="12192000" cy="6858000"/>
   <p:notesSz cx="6858000" cy="9144000"/>
@@ -303,7 +300,7 @@
           <a:p>
             <a:fld id="{2F00D1CE-BAFE-864F-AF39-FC444A398547}" type="datetimeFigureOut">
               <a:rPr lang="en-US" smtClean="0"/>
-              <a:t>2/6/24</a:t>
+              <a:t>2/7/24</a:t>
             </a:fld>
             <a:endParaRPr lang="en-US"/>
           </a:p>
@@ -503,7 +500,7 @@
           <a:p>
             <a:fld id="{2F00D1CE-BAFE-864F-AF39-FC444A398547}" type="datetimeFigureOut">
               <a:rPr lang="en-US" smtClean="0"/>
-              <a:t>2/6/24</a:t>
+              <a:t>2/7/24</a:t>
             </a:fld>
             <a:endParaRPr lang="en-US"/>
           </a:p>
@@ -713,7 +710,7 @@
           <a:p>
             <a:fld id="{2F00D1CE-BAFE-864F-AF39-FC444A398547}" type="datetimeFigureOut">
               <a:rPr lang="en-US" smtClean="0"/>
-              <a:t>2/6/24</a:t>
+              <a:t>2/7/24</a:t>
             </a:fld>
             <a:endParaRPr lang="en-US"/>
           </a:p>
@@ -913,7 +910,7 @@
           <a:p>
             <a:fld id="{2F00D1CE-BAFE-864F-AF39-FC444A398547}" type="datetimeFigureOut">
               <a:rPr lang="en-US" smtClean="0"/>
-              <a:t>2/6/24</a:t>
+              <a:t>2/7/24</a:t>
             </a:fld>
             <a:endParaRPr lang="en-US"/>
           </a:p>
@@ -1189,7 +1186,7 @@
           <a:p>
             <a:fld id="{2F00D1CE-BAFE-864F-AF39-FC444A398547}" type="datetimeFigureOut">
               <a:rPr lang="en-US" smtClean="0"/>
-              <a:t>2/6/24</a:t>
+              <a:t>2/7/24</a:t>
             </a:fld>
             <a:endParaRPr lang="en-US"/>
           </a:p>
@@ -1457,7 +1454,7 @@
           <a:p>
             <a:fld id="{2F00D1CE-BAFE-864F-AF39-FC444A398547}" type="datetimeFigureOut">
               <a:rPr lang="en-US" smtClean="0"/>
-              <a:t>2/6/24</a:t>
+              <a:t>2/7/24</a:t>
             </a:fld>
             <a:endParaRPr lang="en-US"/>
           </a:p>
@@ -1872,7 +1869,7 @@
           <a:p>
             <a:fld id="{2F00D1CE-BAFE-864F-AF39-FC444A398547}" type="datetimeFigureOut">
               <a:rPr lang="en-US" smtClean="0"/>
-              <a:t>2/6/24</a:t>
+              <a:t>2/7/24</a:t>
             </a:fld>
             <a:endParaRPr lang="en-US"/>
           </a:p>
@@ -2014,7 +2011,7 @@
           <a:p>
             <a:fld id="{2F00D1CE-BAFE-864F-AF39-FC444A398547}" type="datetimeFigureOut">
               <a:rPr lang="en-US" smtClean="0"/>
-              <a:t>2/6/24</a:t>
+              <a:t>2/7/24</a:t>
             </a:fld>
             <a:endParaRPr lang="en-US"/>
           </a:p>
@@ -2127,7 +2124,7 @@
           <a:p>
             <a:fld id="{2F00D1CE-BAFE-864F-AF39-FC444A398547}" type="datetimeFigureOut">
               <a:rPr lang="en-US" smtClean="0"/>
-              <a:t>2/6/24</a:t>
+              <a:t>2/7/24</a:t>
             </a:fld>
             <a:endParaRPr lang="en-US"/>
           </a:p>
@@ -2440,7 +2437,7 @@
           <a:p>
             <a:fld id="{2F00D1CE-BAFE-864F-AF39-FC444A398547}" type="datetimeFigureOut">
               <a:rPr lang="en-US" smtClean="0"/>
-              <a:t>2/6/24</a:t>
+              <a:t>2/7/24</a:t>
             </a:fld>
             <a:endParaRPr lang="en-US"/>
           </a:p>
@@ -2729,7 +2726,7 @@
           <a:p>
             <a:fld id="{2F00D1CE-BAFE-864F-AF39-FC444A398547}" type="datetimeFigureOut">
               <a:rPr lang="en-US" smtClean="0"/>
-              <a:t>2/6/24</a:t>
+              <a:t>2/7/24</a:t>
             </a:fld>
             <a:endParaRPr lang="en-US"/>
           </a:p>
@@ -2972,7 +2969,7 @@
           <a:p>
             <a:fld id="{2F00D1CE-BAFE-864F-AF39-FC444A398547}" type="datetimeFigureOut">
               <a:rPr lang="en-US" smtClean="0"/>
-              <a:t>2/6/24</a:t>
+              <a:t>2/7/24</a:t>
             </a:fld>
             <a:endParaRPr lang="en-US"/>
           </a:p>
@@ -6156,8 +6153,8 @@
         </p:nvSpPr>
         <p:spPr>
           <a:xfrm>
-            <a:off x="713237" y="176799"/>
-            <a:ext cx="10066131" cy="1036539"/>
+            <a:off x="713237" y="176800"/>
+            <a:ext cx="10066131" cy="882848"/>
           </a:xfrm>
           <a:ln w="76200">
             <a:solidFill>
@@ -6337,7 +6334,7 @@
         </p:nvSpPr>
         <p:spPr>
           <a:xfrm>
-            <a:off x="633811" y="1324095"/>
+            <a:off x="1062556" y="1390137"/>
             <a:ext cx="3868175" cy="646331"/>
           </a:xfrm>
           <a:prstGeom prst="rect">
@@ -6801,7 +6798,7 @@
         </p:nvSpPr>
         <p:spPr>
           <a:xfrm>
-            <a:off x="3057745" y="1559219"/>
+            <a:off x="2908276" y="1390137"/>
             <a:ext cx="5377113" cy="369332"/>
           </a:xfrm>
           <a:prstGeom prst="rect">
@@ -6851,8 +6848,8 @@
         </p:blipFill>
         <p:spPr bwMode="auto">
           <a:xfrm>
-            <a:off x="2626849" y="1971127"/>
-            <a:ext cx="5950620" cy="4510613"/>
+            <a:off x="2170535" y="1743885"/>
+            <a:ext cx="6221131" cy="4715662"/>
           </a:xfrm>
           <a:prstGeom prst="rect">
             <a:avLst/>
@@ -19587,8 +19584,8 @@
         </p:nvSpPr>
         <p:spPr>
           <a:xfrm>
-            <a:off x="838200" y="365125"/>
-            <a:ext cx="10515600" cy="1325563"/>
+            <a:off x="838200" y="365126"/>
+            <a:ext cx="10515600" cy="869156"/>
           </a:xfrm>
           <a:ln w="76200">
             <a:solidFill>
@@ -19604,17 +19601,8 @@
           <a:p>
             <a:r>
               <a:rPr lang="en-US" sz="3200" dirty="0"/>
-              <a:t>Univariate Analysis Summary – </a:t>
-            </a:r>
-            <a:r>
-              <a:rPr lang="en-US" sz="3200" dirty="0">
-                <a:solidFill>
-                  <a:schemeClr val="accent2"/>
-                </a:solidFill>
-              </a:rPr>
-              <a:t>Loan Demographics</a:t>
-            </a:r>
-            <a:endParaRPr lang="en-US" sz="3200" dirty="0"/>
+              <a:t>Univariate Analysis Summary </a:t>
+            </a:r>
           </a:p>
         </p:txBody>
       </p:sp>
@@ -19697,16 +19685,29 @@
         </p:nvSpPr>
         <p:spPr>
           <a:xfrm>
-            <a:off x="838200" y="1825625"/>
-            <a:ext cx="10515600" cy="4351338"/>
+            <a:off x="838200" y="1426938"/>
+            <a:ext cx="10515600" cy="4750025"/>
           </a:xfrm>
         </p:spPr>
         <p:txBody>
           <a:bodyPr>
-            <a:normAutofit/>
+            <a:normAutofit fontScale="92500" lnSpcReduction="20000"/>
           </a:bodyPr>
           <a:lstStyle/>
           <a:p>
+            <a:pPr marL="0" indent="0">
+              <a:buNone/>
+            </a:pPr>
+            <a:r>
+              <a:rPr lang="en-US" sz="2600" dirty="0">
+                <a:solidFill>
+                  <a:schemeClr val="accent2"/>
+                </a:solidFill>
+              </a:rPr>
+              <a:t>Loan Demographics</a:t>
+            </a:r>
+          </a:p>
+          <a:p>
             <a:pPr lvl="1"/>
             <a:r>
               <a:rPr lang="en-US" dirty="0"/>
@@ -19840,6 +19841,131 @@
               </a:rPr>
               <a:t>Grade B</a:t>
             </a:r>
+          </a:p>
+          <a:p>
+            <a:pPr marL="457200" lvl="1" indent="0">
+              <a:buNone/>
+            </a:pPr>
+            <a:endParaRPr lang="en-US" dirty="0">
+              <a:solidFill>
+                <a:schemeClr val="accent2"/>
+              </a:solidFill>
+            </a:endParaRPr>
+          </a:p>
+          <a:p>
+            <a:pPr marL="0" indent="0">
+              <a:buNone/>
+            </a:pPr>
+            <a:r>
+              <a:rPr lang="en-US" sz="2600" dirty="0">
+                <a:solidFill>
+                  <a:schemeClr val="accent2"/>
+                </a:solidFill>
+              </a:rPr>
+              <a:t>Time Based Analysis</a:t>
+            </a:r>
+          </a:p>
+          <a:p>
+            <a:pPr lvl="1"/>
+            <a:r>
+              <a:rPr lang="en-US" dirty="0">
+                <a:solidFill>
+                  <a:schemeClr val="accent2"/>
+                </a:solidFill>
+              </a:rPr>
+              <a:t>Loan application counts </a:t>
+            </a:r>
+            <a:r>
+              <a:rPr lang="en-US" dirty="0"/>
+              <a:t>are increasing </a:t>
+            </a:r>
+            <a:r>
+              <a:rPr lang="en-US" dirty="0">
+                <a:solidFill>
+                  <a:schemeClr val="accent2"/>
+                </a:solidFill>
+              </a:rPr>
+              <a:t>year over year</a:t>
+            </a:r>
+          </a:p>
+          <a:p>
+            <a:pPr lvl="1"/>
+            <a:r>
+              <a:rPr lang="en-US" dirty="0">
+                <a:solidFill>
+                  <a:schemeClr val="accent2"/>
+                </a:solidFill>
+              </a:rPr>
+              <a:t>Highest</a:t>
+            </a:r>
+            <a:r>
+              <a:rPr lang="en-US" dirty="0"/>
+              <a:t> loan application volume in </a:t>
+            </a:r>
+            <a:r>
+              <a:rPr lang="en-US" dirty="0">
+                <a:solidFill>
+                  <a:schemeClr val="accent2"/>
+                </a:solidFill>
+              </a:rPr>
+              <a:t>Quarter 4 </a:t>
+            </a:r>
+            <a:r>
+              <a:rPr lang="en-US" dirty="0"/>
+              <a:t>of every year</a:t>
+            </a:r>
+          </a:p>
+          <a:p>
+            <a:pPr lvl="1"/>
+            <a:r>
+              <a:rPr lang="en-US" dirty="0">
+                <a:solidFill>
+                  <a:schemeClr val="accent2"/>
+                </a:solidFill>
+              </a:rPr>
+              <a:t>Lowest </a:t>
+            </a:r>
+            <a:r>
+              <a:rPr lang="en-US" dirty="0"/>
+              <a:t>loan applications are in </a:t>
+            </a:r>
+            <a:r>
+              <a:rPr lang="en-US" dirty="0">
+                <a:solidFill>
+                  <a:schemeClr val="accent2"/>
+                </a:solidFill>
+              </a:rPr>
+              <a:t>Q1</a:t>
+            </a:r>
+          </a:p>
+          <a:p>
+            <a:pPr lvl="1"/>
+            <a:r>
+              <a:rPr lang="en-US" dirty="0"/>
+              <a:t>Possibly because by year ends people face the financial challenges</a:t>
+            </a:r>
+          </a:p>
+          <a:p>
+            <a:pPr lvl="1"/>
+            <a:r>
+              <a:rPr lang="en-US" dirty="0"/>
+              <a:t>Possibly because of festive seasons</a:t>
+            </a:r>
+          </a:p>
+          <a:p>
+            <a:pPr lvl="1"/>
+            <a:r>
+              <a:rPr lang="en-US" dirty="0"/>
+              <a:t>Possibly because they are consolidating debt by year end</a:t>
+            </a:r>
+          </a:p>
+          <a:p>
+            <a:pPr lvl="1"/>
+            <a:endParaRPr lang="en-US" dirty="0">
+              <a:solidFill>
+                <a:schemeClr val="accent2"/>
+              </a:solidFill>
+            </a:endParaRPr>
           </a:p>
           <a:p>
             <a:pPr lvl="1"/>
@@ -19873,7 +19999,13 @@
     </p:bg>
     <p:spTree>
       <p:nvGrpSpPr>
-        <p:cNvPr id="1" name=""/>
+        <p:cNvPr id="1" name="">
+          <a:extLst>
+            <a:ext uri="{FF2B5EF4-FFF2-40B4-BE49-F238E27FC236}">
+              <a16:creationId xmlns:a16="http://schemas.microsoft.com/office/drawing/2014/main" id="{7BF37898-0609-50EC-52FB-CE87B7371E40}"/>
+            </a:ext>
+          </a:extLst>
+        </p:cNvPr>
         <p:cNvGrpSpPr/>
         <p:nvPr/>
       </p:nvGrpSpPr>
@@ -19890,7 +20022,7 @@
           <p:cNvPr id="8" name="Rectangle 7">
             <a:extLst>
               <a:ext uri="{FF2B5EF4-FFF2-40B4-BE49-F238E27FC236}">
-                <a16:creationId xmlns:a16="http://schemas.microsoft.com/office/drawing/2014/main" id="{1BB867FF-FC45-48F7-8104-F89BE54909F1}"/>
+                <a16:creationId xmlns:a16="http://schemas.microsoft.com/office/drawing/2014/main" id="{C276A021-C9F5-558C-BEE9-718C68B282B2}"/>
               </a:ext>
               <a:ext uri="{C183D7F6-B498-43B3-948B-1728B52AA6E4}">
                 <adec:decorative xmlns:adec="http://schemas.microsoft.com/office/drawing/2017/decorative" val="1"/>
@@ -19950,7 +20082,7 @@
           <p:cNvPr id="10" name="Freeform: Shape 9">
             <a:extLst>
               <a:ext uri="{FF2B5EF4-FFF2-40B4-BE49-F238E27FC236}">
-                <a16:creationId xmlns:a16="http://schemas.microsoft.com/office/drawing/2014/main" id="{8BB56887-D0D5-4F0C-9E19-7247EB83C8B7}"/>
+                <a16:creationId xmlns:a16="http://schemas.microsoft.com/office/drawing/2014/main" id="{8A4EBDE8-724E-71C0-F99B-3B6BC3BFDFBF}"/>
               </a:ext>
               <a:ext uri="{C183D7F6-B498-43B3-948B-1728B52AA6E4}">
                 <adec:decorative xmlns:adec="http://schemas.microsoft.com/office/drawing/2017/decorative" val="1"/>
@@ -20070,7 +20202,7 @@
           <p:cNvPr id="2" name="Title 1">
             <a:extLst>
               <a:ext uri="{FF2B5EF4-FFF2-40B4-BE49-F238E27FC236}">
-                <a16:creationId xmlns:a16="http://schemas.microsoft.com/office/drawing/2014/main" id="{A3B2760C-5E98-061D-80D1-7294A86997D1}"/>
+                <a16:creationId xmlns:a16="http://schemas.microsoft.com/office/drawing/2014/main" id="{0B008CCC-5F59-097C-3943-AF91F5240A1F}"/>
               </a:ext>
             </a:extLst>
           </p:cNvPr>
@@ -20108,7 +20240,7 @@
                   <a:schemeClr val="accent2"/>
                 </a:solidFill>
               </a:rPr>
-              <a:t>Time Based Analysis</a:t>
+              <a:t>Inferences</a:t>
             </a:r>
             <a:endParaRPr lang="en-US" sz="3200" dirty="0"/>
           </a:p>
@@ -20119,7 +20251,7 @@
           <p:cNvPr id="12" name="Arc 11">
             <a:extLst>
               <a:ext uri="{FF2B5EF4-FFF2-40B4-BE49-F238E27FC236}">
-                <a16:creationId xmlns:a16="http://schemas.microsoft.com/office/drawing/2014/main" id="{081E4A58-353D-44AE-B2FC-2A74E2E400F7}"/>
+                <a16:creationId xmlns:a16="http://schemas.microsoft.com/office/drawing/2014/main" id="{DE88F49D-577E-1AAF-B053-D7B2FB24ACA0}"/>
               </a:ext>
               <a:ext uri="{C183D7F6-B498-43B3-948B-1728B52AA6E4}">
                 <adec:decorative xmlns:adec="http://schemas.microsoft.com/office/drawing/2017/decorative" val="1"/>
@@ -20180,7 +20312,7 @@
           <p:cNvPr id="3" name="Content Placeholder 2">
             <a:extLst>
               <a:ext uri="{FF2B5EF4-FFF2-40B4-BE49-F238E27FC236}">
-                <a16:creationId xmlns:a16="http://schemas.microsoft.com/office/drawing/2014/main" id="{3E203335-99FA-E606-51D5-ABC61359DDFC}"/>
+                <a16:creationId xmlns:a16="http://schemas.microsoft.com/office/drawing/2014/main" id="{928E472B-6A3C-F1E9-8E29-AA357AF721CA}"/>
               </a:ext>
             </a:extLst>
           </p:cNvPr>
@@ -20204,90 +20336,26 @@
           <a:lstStyle/>
           <a:p>
             <a:r>
-              <a:rPr lang="en-US" dirty="0">
-                <a:solidFill>
-                  <a:schemeClr val="accent2"/>
-                </a:solidFill>
-              </a:rPr>
-              <a:t>Loan application counts </a:t>
-            </a:r>
-            <a:r>
               <a:rPr lang="en-US" dirty="0"/>
-              <a:t>are increasing </a:t>
-            </a:r>
-            <a:r>
-              <a:rPr lang="en-US" dirty="0">
-                <a:solidFill>
-                  <a:schemeClr val="accent2"/>
-                </a:solidFill>
-              </a:rPr>
-              <a:t>year over year</a:t>
-            </a:r>
-          </a:p>
-          <a:p>
-            <a:r>
-              <a:rPr lang="en-US" dirty="0">
-                <a:solidFill>
-                  <a:schemeClr val="accent2"/>
-                </a:solidFill>
-              </a:rPr>
-              <a:t>Highest</a:t>
-            </a:r>
+              <a:t>The customer demographic data shows which segment of customers to target for highest volume of loan and not default</a:t>
+            </a:r>
+          </a:p>
+          <a:p>
             <a:r>
               <a:rPr lang="en-US" dirty="0"/>
-              <a:t> loan application volume in </a:t>
-            </a:r>
-            <a:r>
-              <a:rPr lang="en-US" dirty="0">
-                <a:solidFill>
-                  <a:schemeClr val="accent2"/>
-                </a:solidFill>
-              </a:rPr>
-              <a:t>Quarter 4 </a:t>
-            </a:r>
+              <a:t>Indicates more analysis is needed why other categories are not as high as other few</a:t>
+            </a:r>
+          </a:p>
+          <a:p>
             <a:r>
               <a:rPr lang="en-US" dirty="0"/>
-              <a:t>of every year</a:t>
-            </a:r>
-          </a:p>
-          <a:p>
-            <a:r>
-              <a:rPr lang="en-US" dirty="0">
-                <a:solidFill>
-                  <a:schemeClr val="accent2"/>
-                </a:solidFill>
-              </a:rPr>
-              <a:t>Lowest </a:t>
-            </a:r>
+              <a:t>Indicates the Lending Club to be prepared to handle high volume in Q4</a:t>
+            </a:r>
+          </a:p>
+          <a:p>
             <a:r>
               <a:rPr lang="en-US" dirty="0"/>
-              <a:t>loan applications are in </a:t>
-            </a:r>
-            <a:r>
-              <a:rPr lang="en-US" dirty="0">
-                <a:solidFill>
-                  <a:schemeClr val="accent2"/>
-                </a:solidFill>
-              </a:rPr>
-              <a:t>Q1</a:t>
-            </a:r>
-          </a:p>
-          <a:p>
-            <a:r>
-              <a:rPr lang="en-US" dirty="0"/>
-              <a:t>Possibly because by year ends people face the financial challenges</a:t>
-            </a:r>
-          </a:p>
-          <a:p>
-            <a:r>
-              <a:rPr lang="en-US" dirty="0"/>
-              <a:t>Possibly because of festive seasons</a:t>
-            </a:r>
-          </a:p>
-          <a:p>
-            <a:r>
-              <a:rPr lang="en-US" dirty="0"/>
-              <a:t>Possibly because they are consolidating debt by year end</a:t>
+              <a:t>Indicates the Lending Club to target customers in other quarters to increase sales</a:t>
             </a:r>
           </a:p>
           <a:p>
@@ -20301,7 +20369,7 @@
     </p:spTree>
     <p:extLst>
       <p:ext uri="{BB962C8B-B14F-4D97-AF65-F5344CB8AC3E}">
-        <p14:creationId xmlns:p14="http://schemas.microsoft.com/office/powerpoint/2010/main" val="3082255954"/>
+        <p14:creationId xmlns:p14="http://schemas.microsoft.com/office/powerpoint/2010/main" val="1705070350"/>
       </p:ext>
     </p:extLst>
   </p:cSld>
@@ -20327,7 +20395,7 @@
         <p:cNvPr id="1" name="">
           <a:extLst>
             <a:ext uri="{FF2B5EF4-FFF2-40B4-BE49-F238E27FC236}">
-              <a16:creationId xmlns:a16="http://schemas.microsoft.com/office/drawing/2014/main" id="{7BF37898-0609-50EC-52FB-CE87B7371E40}"/>
+              <a16:creationId xmlns:a16="http://schemas.microsoft.com/office/drawing/2014/main" id="{37F2A02B-123A-A41F-3972-B20A042B6D1C}"/>
             </a:ext>
           </a:extLst>
         </p:cNvPr>
@@ -20347,7 +20415,7 @@
           <p:cNvPr id="8" name="Rectangle 7">
             <a:extLst>
               <a:ext uri="{FF2B5EF4-FFF2-40B4-BE49-F238E27FC236}">
-                <a16:creationId xmlns:a16="http://schemas.microsoft.com/office/drawing/2014/main" id="{C276A021-C9F5-558C-BEE9-718C68B282B2}"/>
+                <a16:creationId xmlns:a16="http://schemas.microsoft.com/office/drawing/2014/main" id="{8DFB31CF-249F-58BB-0318-F4A22825D928}"/>
               </a:ext>
               <a:ext uri="{C183D7F6-B498-43B3-948B-1728B52AA6E4}">
                 <adec:decorative xmlns:adec="http://schemas.microsoft.com/office/drawing/2017/decorative" val="1"/>
@@ -20407,7 +20475,7 @@
           <p:cNvPr id="10" name="Freeform: Shape 9">
             <a:extLst>
               <a:ext uri="{FF2B5EF4-FFF2-40B4-BE49-F238E27FC236}">
-                <a16:creationId xmlns:a16="http://schemas.microsoft.com/office/drawing/2014/main" id="{8A4EBDE8-724E-71C0-F99B-3B6BC3BFDFBF}"/>
+                <a16:creationId xmlns:a16="http://schemas.microsoft.com/office/drawing/2014/main" id="{7532CE44-76E7-D73C-76E1-87A436A7AF44}"/>
               </a:ext>
               <a:ext uri="{C183D7F6-B498-43B3-948B-1728B52AA6E4}">
                 <adec:decorative xmlns:adec="http://schemas.microsoft.com/office/drawing/2017/decorative" val="1"/>
@@ -20527,7 +20595,7 @@
           <p:cNvPr id="2" name="Title 1">
             <a:extLst>
               <a:ext uri="{FF2B5EF4-FFF2-40B4-BE49-F238E27FC236}">
-                <a16:creationId xmlns:a16="http://schemas.microsoft.com/office/drawing/2014/main" id="{0B008CCC-5F59-097C-3943-AF91F5240A1F}"/>
+                <a16:creationId xmlns:a16="http://schemas.microsoft.com/office/drawing/2014/main" id="{36ACC4C3-D494-0A1F-6319-D4F22C93CC51}"/>
               </a:ext>
             </a:extLst>
           </p:cNvPr>
@@ -20557,7 +20625,7 @@
           <a:p>
             <a:r>
               <a:rPr lang="en-US" sz="3200" dirty="0"/>
-              <a:t>Univariate Analysis Summary – </a:t>
+              <a:t>Bivariate Analysis Summary – </a:t>
             </a:r>
             <a:r>
               <a:rPr lang="en-US" sz="3200" dirty="0">
@@ -20576,7 +20644,7 @@
           <p:cNvPr id="12" name="Arc 11">
             <a:extLst>
               <a:ext uri="{FF2B5EF4-FFF2-40B4-BE49-F238E27FC236}">
-                <a16:creationId xmlns:a16="http://schemas.microsoft.com/office/drawing/2014/main" id="{DE88F49D-577E-1AAF-B053-D7B2FB24ACA0}"/>
+                <a16:creationId xmlns:a16="http://schemas.microsoft.com/office/drawing/2014/main" id="{34FFA76D-67BB-6443-BB59-75E029F299E1}"/>
               </a:ext>
               <a:ext uri="{C183D7F6-B498-43B3-948B-1728B52AA6E4}">
                 <adec:decorative xmlns:adec="http://schemas.microsoft.com/office/drawing/2017/decorative" val="1"/>
@@ -20637,7 +20705,7 @@
           <p:cNvPr id="3" name="Content Placeholder 2">
             <a:extLst>
               <a:ext uri="{FF2B5EF4-FFF2-40B4-BE49-F238E27FC236}">
-                <a16:creationId xmlns:a16="http://schemas.microsoft.com/office/drawing/2014/main" id="{928E472B-6A3C-F1E9-8E29-AA357AF721CA}"/>
+                <a16:creationId xmlns:a16="http://schemas.microsoft.com/office/drawing/2014/main" id="{2DA6A4AD-DCEE-FEE2-A2E0-5E6CE6CBB99B}"/>
               </a:ext>
             </a:extLst>
           </p:cNvPr>
@@ -20656,36 +20724,225 @@
         </p:spPr>
         <p:txBody>
           <a:bodyPr>
-            <a:normAutofit/>
+            <a:normAutofit fontScale="55000" lnSpcReduction="20000"/>
           </a:bodyPr>
           <a:lstStyle/>
           <a:p>
-            <a:r>
-              <a:rPr lang="en-US" dirty="0"/>
-              <a:t>The customer demographic data shows which segment of customers to target for highest volume of loan and not default</a:t>
-            </a:r>
-          </a:p>
-          <a:p>
-            <a:r>
-              <a:rPr lang="en-US" dirty="0"/>
-              <a:t>Indicates more analysis is needed why other categories are not as high as other few</a:t>
-            </a:r>
-          </a:p>
-          <a:p>
-            <a:r>
-              <a:rPr lang="en-US" dirty="0"/>
-              <a:t>Indicates the Lending Club to be prepared to handle high volume in Q4</a:t>
-            </a:r>
-          </a:p>
-          <a:p>
-            <a:r>
-              <a:rPr lang="en-US" dirty="0"/>
-              <a:t>Indicates the Lending Club to target customers in other quarters to increase sales</a:t>
-            </a:r>
-          </a:p>
-          <a:p>
             <a:pPr marL="0" indent="0">
               <a:buNone/>
+            </a:pPr>
+            <a:r>
+              <a:rPr lang="en-US" sz="3300" dirty="0">
+                <a:solidFill>
+                  <a:schemeClr val="accent2"/>
+                </a:solidFill>
+              </a:rPr>
+              <a:t>Lending Club Company </a:t>
+            </a:r>
+            <a:r>
+              <a:rPr lang="en-US" sz="3300" dirty="0"/>
+              <a:t>need to be aware of the following </a:t>
+            </a:r>
+            <a:r>
+              <a:rPr lang="en-US" sz="3300" dirty="0">
+                <a:solidFill>
+                  <a:schemeClr val="accent2"/>
+                </a:solidFill>
+              </a:rPr>
+              <a:t>driver variables</a:t>
+            </a:r>
+            <a:r>
+              <a:rPr lang="en-US" sz="3300" dirty="0"/>
+              <a:t> about:</a:t>
+            </a:r>
+          </a:p>
+          <a:p>
+            <a:pPr marL="0" indent="0">
+              <a:buNone/>
+            </a:pPr>
+            <a:r>
+              <a:rPr lang="en-US" sz="3300" dirty="0">
+                <a:solidFill>
+                  <a:schemeClr val="accent2"/>
+                </a:solidFill>
+              </a:rPr>
+              <a:t>1. Term Limit</a:t>
+            </a:r>
+          </a:p>
+          <a:p>
+            <a:pPr marL="0" indent="0">
+              <a:buNone/>
+            </a:pPr>
+            <a:r>
+              <a:rPr lang="en-US" sz="3300" dirty="0"/>
+              <a:t>Individuals seeking 60-month loan terms require more rigorous evaluation due to the increased default risk (25%) compared to those with shorter 36-month terms.</a:t>
+            </a:r>
+          </a:p>
+          <a:p>
+            <a:pPr marL="0" indent="0">
+              <a:buNone/>
+            </a:pPr>
+            <a:r>
+              <a:rPr lang="en-US" sz="3300" dirty="0">
+                <a:solidFill>
+                  <a:schemeClr val="accent2"/>
+                </a:solidFill>
+              </a:rPr>
+              <a:t>2. Grades</a:t>
+            </a:r>
+          </a:p>
+          <a:p>
+            <a:pPr lvl="1"/>
+            <a:r>
+              <a:rPr lang="en-US" sz="3300" dirty="0"/>
+              <a:t>Charge-off volume is highest for grades B and C.</a:t>
+            </a:r>
+          </a:p>
+          <a:p>
+            <a:pPr lvl="1"/>
+            <a:r>
+              <a:rPr lang="en-US" sz="3300" dirty="0"/>
+              <a:t>However, grades F and G have the highest charge-off ratios.</a:t>
+            </a:r>
+          </a:p>
+          <a:p>
+            <a:pPr lvl="1"/>
+            <a:r>
+              <a:rPr lang="en-US" sz="3300" dirty="0"/>
+              <a:t>Probability of charge-off increases steadily from A to G.</a:t>
+            </a:r>
+          </a:p>
+          <a:p>
+            <a:pPr marL="0" marR="0" lvl="0" indent="0" algn="l" defTabSz="914400" rtl="0" eaLnBrk="1" fontAlgn="auto" latinLnBrk="0" hangingPunct="1">
+              <a:lnSpc>
+                <a:spcPct val="90000"/>
+              </a:lnSpc>
+              <a:spcBef>
+                <a:spcPts val="1000"/>
+              </a:spcBef>
+              <a:spcAft>
+                <a:spcPts val="0"/>
+              </a:spcAft>
+              <a:buClrTx/>
+              <a:buSzTx/>
+              <a:buFont typeface="Arial" panose="020B0604020202020204" pitchFamily="34" charset="0"/>
+              <a:buNone/>
+              <a:tabLst/>
+              <a:defRPr/>
+            </a:pPr>
+            <a:r>
+              <a:rPr lang="en-US" sz="3300" dirty="0">
+                <a:solidFill>
+                  <a:schemeClr val="accent2"/>
+                </a:solidFill>
+              </a:rPr>
+              <a:t>3. Applicants Homeownership</a:t>
+            </a:r>
+          </a:p>
+          <a:p>
+            <a:pPr lvl="1">
+              <a:defRPr/>
+            </a:pPr>
+            <a:r>
+              <a:rPr lang="en-US" sz="3300" dirty="0"/>
+              <a:t>The homeownership status of RENT and MORTGAGE are at the highest risk of Charge Offs</a:t>
+            </a:r>
+          </a:p>
+          <a:p>
+            <a:pPr marL="0" indent="0">
+              <a:buNone/>
+              <a:defRPr/>
+            </a:pPr>
+            <a:r>
+              <a:rPr lang="en-US" sz="3300" dirty="0">
+                <a:solidFill>
+                  <a:schemeClr val="accent2"/>
+                </a:solidFill>
+              </a:rPr>
+              <a:t>4. Verification Status</a:t>
+            </a:r>
+          </a:p>
+          <a:p>
+            <a:pPr marL="685800" marR="0" lvl="1" indent="-228600" algn="l" defTabSz="914400" rtl="0" eaLnBrk="1" fontAlgn="auto" latinLnBrk="0" hangingPunct="1">
+              <a:lnSpc>
+                <a:spcPct val="90000"/>
+              </a:lnSpc>
+              <a:spcBef>
+                <a:spcPts val="500"/>
+              </a:spcBef>
+              <a:spcAft>
+                <a:spcPts val="0"/>
+              </a:spcAft>
+              <a:buClrTx/>
+              <a:buSzTx/>
+              <a:buFont typeface="Arial" panose="020B0604020202020204" pitchFamily="34" charset="0"/>
+              <a:buChar char="•"/>
+              <a:tabLst/>
+              <a:defRPr/>
+            </a:pPr>
+            <a:r>
+              <a:rPr lang="en-US" sz="3300" dirty="0"/>
+              <a:t>Charge-off rate is not significantly impacted by verification status (Verified or Not Verified), though purely in terms of volume Not Verified applicants are higher.</a:t>
+            </a:r>
+          </a:p>
+          <a:p>
+            <a:pPr marL="685800" marR="0" lvl="1" indent="-228600" algn="l" defTabSz="914400" rtl="0" eaLnBrk="1" fontAlgn="auto" latinLnBrk="0" hangingPunct="1">
+              <a:lnSpc>
+                <a:spcPct val="90000"/>
+              </a:lnSpc>
+              <a:spcBef>
+                <a:spcPts val="500"/>
+              </a:spcBef>
+              <a:spcAft>
+                <a:spcPts val="0"/>
+              </a:spcAft>
+              <a:buClrTx/>
+              <a:buSzTx/>
+              <a:buFont typeface="Arial" panose="020B0604020202020204" pitchFamily="34" charset="0"/>
+              <a:buChar char="•"/>
+              <a:tabLst/>
+              <a:defRPr/>
+            </a:pPr>
+            <a:r>
+              <a:rPr lang="en-US" sz="3300" dirty="0"/>
+              <a:t>Focus on other factors to improve lending decisions.</a:t>
+            </a:r>
+          </a:p>
+          <a:p>
+            <a:pPr marL="685800" marR="0" lvl="1" indent="-228600" algn="l" defTabSz="914400" rtl="0" eaLnBrk="1" fontAlgn="auto" latinLnBrk="0" hangingPunct="1">
+              <a:lnSpc>
+                <a:spcPct val="90000"/>
+              </a:lnSpc>
+              <a:spcBef>
+                <a:spcPts val="500"/>
+              </a:spcBef>
+              <a:spcAft>
+                <a:spcPts val="0"/>
+              </a:spcAft>
+              <a:buClrTx/>
+              <a:buSzTx/>
+              <a:buFont typeface="Arial" panose="020B0604020202020204" pitchFamily="34" charset="0"/>
+              <a:buChar char="•"/>
+              <a:tabLst/>
+              <a:defRPr/>
+            </a:pPr>
+            <a:r>
+              <a:rPr lang="en-US" sz="3300" dirty="0"/>
+              <a:t>Investigate potential flaws in the verification process.</a:t>
+            </a:r>
+          </a:p>
+          <a:p>
+            <a:endParaRPr lang="en-US" sz="3300" dirty="0"/>
+          </a:p>
+          <a:p>
+            <a:pPr marL="0" indent="0">
+              <a:buNone/>
+            </a:pPr>
+            <a:endParaRPr lang="en-US" dirty="0"/>
+          </a:p>
+          <a:p>
+            <a:pPr marL="514350" indent="-514350">
+              <a:buAutoNum type="arabicPeriod"/>
             </a:pPr>
             <a:endParaRPr lang="en-US" dirty="0"/>
           </a:p>
@@ -20694,7 +20951,7 @@
     </p:spTree>
     <p:extLst>
       <p:ext uri="{BB962C8B-B14F-4D97-AF65-F5344CB8AC3E}">
-        <p14:creationId xmlns:p14="http://schemas.microsoft.com/office/powerpoint/2010/main" val="1705070350"/>
+        <p14:creationId xmlns:p14="http://schemas.microsoft.com/office/powerpoint/2010/main" val="3900999562"/>
       </p:ext>
     </p:extLst>
   </p:cSld>
@@ -20720,7 +20977,7 @@
         <p:cNvPr id="1" name="">
           <a:extLst>
             <a:ext uri="{FF2B5EF4-FFF2-40B4-BE49-F238E27FC236}">
-              <a16:creationId xmlns:a16="http://schemas.microsoft.com/office/drawing/2014/main" id="{37F2A02B-123A-A41F-3972-B20A042B6D1C}"/>
+              <a16:creationId xmlns:a16="http://schemas.microsoft.com/office/drawing/2014/main" id="{2DCCBAB0-415D-55B3-C5DF-805851AB7FCC}"/>
             </a:ext>
           </a:extLst>
         </p:cNvPr>
@@ -20740,7 +20997,7 @@
           <p:cNvPr id="8" name="Rectangle 7">
             <a:extLst>
               <a:ext uri="{FF2B5EF4-FFF2-40B4-BE49-F238E27FC236}">
-                <a16:creationId xmlns:a16="http://schemas.microsoft.com/office/drawing/2014/main" id="{8DFB31CF-249F-58BB-0318-F4A22825D928}"/>
+                <a16:creationId xmlns:a16="http://schemas.microsoft.com/office/drawing/2014/main" id="{160D309E-1B9B-0F30-C86A-3CDC3DC6E3AC}"/>
               </a:ext>
               <a:ext uri="{C183D7F6-B498-43B3-948B-1728B52AA6E4}">
                 <adec:decorative xmlns:adec="http://schemas.microsoft.com/office/drawing/2017/decorative" val="1"/>
@@ -20800,7 +21057,7 @@
           <p:cNvPr id="10" name="Freeform: Shape 9">
             <a:extLst>
               <a:ext uri="{FF2B5EF4-FFF2-40B4-BE49-F238E27FC236}">
-                <a16:creationId xmlns:a16="http://schemas.microsoft.com/office/drawing/2014/main" id="{7532CE44-76E7-D73C-76E1-87A436A7AF44}"/>
+                <a16:creationId xmlns:a16="http://schemas.microsoft.com/office/drawing/2014/main" id="{EE73A838-F779-8F7E-D4C7-C02496E186C4}"/>
               </a:ext>
               <a:ext uri="{C183D7F6-B498-43B3-948B-1728B52AA6E4}">
                 <adec:decorative xmlns:adec="http://schemas.microsoft.com/office/drawing/2017/decorative" val="1"/>
@@ -20920,7 +21177,7 @@
           <p:cNvPr id="2" name="Title 1">
             <a:extLst>
               <a:ext uri="{FF2B5EF4-FFF2-40B4-BE49-F238E27FC236}">
-                <a16:creationId xmlns:a16="http://schemas.microsoft.com/office/drawing/2014/main" id="{36ACC4C3-D494-0A1F-6319-D4F22C93CC51}"/>
+                <a16:creationId xmlns:a16="http://schemas.microsoft.com/office/drawing/2014/main" id="{D10EA4E3-A5A8-D708-AC63-3286640D132C}"/>
               </a:ext>
             </a:extLst>
           </p:cNvPr>
@@ -20969,7 +21226,7 @@
           <p:cNvPr id="12" name="Arc 11">
             <a:extLst>
               <a:ext uri="{FF2B5EF4-FFF2-40B4-BE49-F238E27FC236}">
-                <a16:creationId xmlns:a16="http://schemas.microsoft.com/office/drawing/2014/main" id="{34FFA76D-67BB-6443-BB59-75E029F299E1}"/>
+                <a16:creationId xmlns:a16="http://schemas.microsoft.com/office/drawing/2014/main" id="{180727A0-0391-5025-3D07-282DD19A7320}"/>
               </a:ext>
               <a:ext uri="{C183D7F6-B498-43B3-948B-1728B52AA6E4}">
                 <adec:decorative xmlns:adec="http://schemas.microsoft.com/office/drawing/2017/decorative" val="1"/>
@@ -21030,7 +21287,7 @@
           <p:cNvPr id="3" name="Content Placeholder 2">
             <a:extLst>
               <a:ext uri="{FF2B5EF4-FFF2-40B4-BE49-F238E27FC236}">
-                <a16:creationId xmlns:a16="http://schemas.microsoft.com/office/drawing/2014/main" id="{2DA6A4AD-DCEE-FEE2-A2E0-5E6CE6CBB99B}"/>
+                <a16:creationId xmlns:a16="http://schemas.microsoft.com/office/drawing/2014/main" id="{A90D22AB-68EB-1FA5-5859-E756E7A6516A}"/>
               </a:ext>
             </a:extLst>
           </p:cNvPr>
@@ -21057,47 +21314,80 @@
               <a:buNone/>
             </a:pPr>
             <a:r>
-              <a:rPr lang="en-US" sz="3300" dirty="0">
+              <a:rPr lang="en-US" sz="2600" dirty="0">
                 <a:solidFill>
                   <a:schemeClr val="accent2"/>
                 </a:solidFill>
               </a:rPr>
-              <a:t>Lending Club Company </a:t>
-            </a:r>
-            <a:r>
-              <a:rPr lang="en-US" sz="3300" dirty="0"/>
-              <a:t>need to be aware of the following </a:t>
-            </a:r>
-            <a:r>
-              <a:rPr lang="en-US" sz="3300" dirty="0">
-                <a:solidFill>
-                  <a:schemeClr val="accent2"/>
-                </a:solidFill>
-              </a:rPr>
-              <a:t>driver variables</a:t>
-            </a:r>
-            <a:r>
-              <a:rPr lang="en-US" sz="3300" dirty="0"/>
-              <a:t> about:</a:t>
+              <a:t>5. Loan Purpose</a:t>
+            </a:r>
+          </a:p>
+          <a:p>
+            <a:pPr lvl="1"/>
+            <a:r>
+              <a:rPr lang="en-US" sz="2600" dirty="0"/>
+              <a:t>Debt consolidation has the highest volume of charge-offs.</a:t>
+            </a:r>
+          </a:p>
+          <a:p>
+            <a:pPr lvl="1"/>
+            <a:r>
+              <a:rPr lang="en-US" sz="2600" dirty="0"/>
+              <a:t>Small business loans carry a higher risk of charge-off.</a:t>
+            </a:r>
+          </a:p>
+          <a:p>
+            <a:pPr lvl="1"/>
+            <a:r>
+              <a:rPr lang="en-US" sz="2600" dirty="0"/>
+              <a:t>Renewable energy projects experience the lowest volume of charge-offs.</a:t>
             </a:r>
           </a:p>
           <a:p>
             <a:pPr marL="0" indent="0">
               <a:buNone/>
             </a:pPr>
-            <a:endParaRPr lang="en-US" sz="3300" dirty="0"/>
+            <a:r>
+              <a:rPr lang="en-US" sz="2600" dirty="0">
+                <a:solidFill>
+                  <a:schemeClr val="accent2"/>
+                </a:solidFill>
+              </a:rPr>
+              <a:t>6. Address State</a:t>
+            </a:r>
+          </a:p>
+          <a:p>
+            <a:pPr lvl="1"/>
+            <a:r>
+              <a:rPr lang="en-US" sz="2600" dirty="0"/>
+              <a:t>Highest volume of loans is from CA and purely based on volumes the highest Charge Off's are from CA</a:t>
+            </a:r>
+          </a:p>
+          <a:p>
+            <a:pPr lvl="1"/>
+            <a:r>
+              <a:rPr lang="en-US" sz="2600" dirty="0"/>
+              <a:t>Loan applications from the state NV are having high risk of defaulting, </a:t>
+            </a:r>
+          </a:p>
+          <a:p>
+            <a:pPr lvl="1"/>
+            <a:r>
+              <a:rPr lang="en-US" sz="2600" dirty="0"/>
+              <a:t>The lending company needs to be cautious about lending to applicants from NV</a:t>
+            </a:r>
           </a:p>
           <a:p>
             <a:pPr marL="0" indent="0">
               <a:buNone/>
             </a:pPr>
             <a:r>
-              <a:rPr lang="en-US" sz="3300" dirty="0">
+              <a:rPr lang="en-US" sz="2600" dirty="0">
                 <a:solidFill>
                   <a:schemeClr val="accent2"/>
                 </a:solidFill>
               </a:rPr>
-              <a:t>1. Term Limit</a:t>
+              <a:t>7. Public Bankruptcy Records</a:t>
             </a:r>
           </a:p>
           <a:p>
@@ -21105,65 +21395,54 @@
               <a:buNone/>
             </a:pPr>
             <a:r>
-              <a:rPr lang="en-US" sz="3300" dirty="0"/>
-              <a:t>Individuals seeking 60-month loan terms require more rigorous evaluation due to the increased default risk (25%) compared to those with shorter 36-month terms.</a:t>
+              <a:rPr lang="en-US" sz="2900" dirty="0"/>
+              <a:t>The lender needs to be very careful with people having any public bankruptcy record in their name, since they have very high chance of defaulting.</a:t>
             </a:r>
           </a:p>
           <a:p>
             <a:pPr marL="0" indent="0">
               <a:buNone/>
             </a:pPr>
-            <a:endParaRPr lang="en-US" sz="3300" dirty="0"/>
-          </a:p>
-          <a:p>
-            <a:pPr marL="0" indent="0">
-              <a:buNone/>
-            </a:pPr>
-            <a:r>
-              <a:rPr lang="en-US" sz="3300" dirty="0">
+            <a:r>
+              <a:rPr lang="en-US" sz="2900" dirty="0">
                 <a:solidFill>
                   <a:schemeClr val="accent2"/>
                 </a:solidFill>
               </a:rPr>
-              <a:t>2. Grades</a:t>
-            </a:r>
-          </a:p>
-          <a:p>
-            <a:r>
-              <a:rPr lang="en-US" sz="3300" dirty="0"/>
-              <a:t>Charge-off volume is highest for grades B and C.</a:t>
-            </a:r>
-          </a:p>
-          <a:p>
-            <a:r>
-              <a:rPr lang="en-US" sz="3300" dirty="0"/>
-              <a:t>However, grades F and G have the highest charge-off ratios.</a:t>
-            </a:r>
-          </a:p>
-          <a:p>
-            <a:r>
-              <a:rPr lang="en-US" sz="3300" dirty="0"/>
-              <a:t>Probability of charge-off increases steadily from A to G.</a:t>
-            </a:r>
-          </a:p>
-          <a:p>
-            <a:pPr marL="0" indent="0">
-              <a:buNone/>
-            </a:pPr>
-            <a:endParaRPr lang="en-US" dirty="0"/>
-          </a:p>
-          <a:p>
-            <a:pPr marL="514350" indent="-514350">
-              <a:buAutoNum type="arabicPeriod"/>
-            </a:pPr>
-            <a:endParaRPr lang="en-US" dirty="0"/>
+              <a:t>8. Annual Income</a:t>
+            </a:r>
+          </a:p>
+          <a:p>
+            <a:pPr lvl="1"/>
+            <a:r>
+              <a:rPr lang="en-US" sz="2500" dirty="0"/>
+              <a:t>The Lending Company should be careful to approve loans for applicants with annual income of less than 40k or even better anybody less than 60k.</a:t>
+            </a:r>
+          </a:p>
+          <a:p>
+            <a:pPr lvl="1"/>
+            <a:r>
+              <a:rPr lang="en-US" sz="2500" dirty="0"/>
+              <a:t>Income range 80k+ has less chances of charged off</a:t>
+            </a:r>
+          </a:p>
+          <a:p>
+            <a:pPr lvl="1"/>
+            <a:r>
+              <a:rPr lang="en-US" sz="2500" dirty="0"/>
+              <a:t>Increase in annual income charged off proportion decreases.</a:t>
+            </a:r>
+          </a:p>
+          <a:p>
+            <a:pPr lvl="1"/>
+            <a:endParaRPr lang="en-US" sz="2000" dirty="0"/>
           </a:p>
         </p:txBody>
       </p:sp>
     </p:spTree>
     <p:extLst>
       <p:ext uri="{BB962C8B-B14F-4D97-AF65-F5344CB8AC3E}">
-        <p14:creationId xmlns:p14="http://schemas.microsoft.com/office/powerpoint/2010/main" val="3900999562"/>
+        <p14:creationId xmlns:p14="http://schemas.microsoft.com/office/powerpoint/2010/main" val="4054809107"/>
       </p:ext>
     </p:extLst>
   </p:cSld>
@@ -21617,1317 +21896,6 @@
 </file>
 
 <file path=ppt/slides/slide40.xml><?xml version="1.0" encoding="utf-8"?>
-<p:sld xmlns:a="http://schemas.openxmlformats.org/drawingml/2006/main" xmlns:r="http://schemas.openxmlformats.org/officeDocument/2006/relationships" xmlns:p="http://schemas.openxmlformats.org/presentationml/2006/main">
-  <p:cSld>
-    <p:bg>
-      <p:bgPr>
-        <a:solidFill>
-          <a:schemeClr val="bg1"/>
-        </a:solidFill>
-        <a:effectLst/>
-      </p:bgPr>
-    </p:bg>
-    <p:spTree>
-      <p:nvGrpSpPr>
-        <p:cNvPr id="1" name="">
-          <a:extLst>
-            <a:ext uri="{FF2B5EF4-FFF2-40B4-BE49-F238E27FC236}">
-              <a16:creationId xmlns:a16="http://schemas.microsoft.com/office/drawing/2014/main" id="{F8C3145F-E02B-4A4B-8D24-9A08FAE9A6DF}"/>
-            </a:ext>
-          </a:extLst>
-        </p:cNvPr>
-        <p:cNvGrpSpPr/>
-        <p:nvPr/>
-      </p:nvGrpSpPr>
-      <p:grpSpPr>
-        <a:xfrm>
-          <a:off x="0" y="0"/>
-          <a:ext cx="0" cy="0"/>
-          <a:chOff x="0" y="0"/>
-          <a:chExt cx="0" cy="0"/>
-        </a:xfrm>
-      </p:grpSpPr>
-      <p:sp useBgFill="1">
-        <p:nvSpPr>
-          <p:cNvPr id="8" name="Rectangle 7">
-            <a:extLst>
-              <a:ext uri="{FF2B5EF4-FFF2-40B4-BE49-F238E27FC236}">
-                <a16:creationId xmlns:a16="http://schemas.microsoft.com/office/drawing/2014/main" id="{78B2435B-E5A5-2E27-2351-BD58B004DFC3}"/>
-              </a:ext>
-              <a:ext uri="{C183D7F6-B498-43B3-948B-1728B52AA6E4}">
-                <adec:decorative xmlns:adec="http://schemas.microsoft.com/office/drawing/2017/decorative" val="1"/>
-              </a:ext>
-            </a:extLst>
-          </p:cNvPr>
-          <p:cNvSpPr>
-            <a:spLocks noGrp="1" noRot="1" noChangeAspect="1" noMove="1" noResize="1" noEditPoints="1" noAdjustHandles="1" noChangeArrowheads="1" noChangeShapeType="1" noTextEdit="1"/>
-          </p:cNvSpPr>
-          <p:nvPr>
-            <p:extLst>
-              <p:ext uri="{386F3935-93C4-4BCD-93E2-E3B085C9AB24}">
-                <p16:designElem xmlns:p16="http://schemas.microsoft.com/office/powerpoint/2015/main" val="1"/>
-              </p:ext>
-            </p:extLst>
-          </p:nvPr>
-        </p:nvSpPr>
-        <p:spPr>
-          <a:xfrm>
-            <a:off x="3048" y="0"/>
-            <a:ext cx="12188952" cy="6858000"/>
-          </a:xfrm>
-          <a:prstGeom prst="rect">
-            <a:avLst/>
-          </a:prstGeom>
-          <a:ln>
-            <a:noFill/>
-          </a:ln>
-        </p:spPr>
-        <p:style>
-          <a:lnRef idx="2">
-            <a:schemeClr val="accent1">
-              <a:shade val="50000"/>
-            </a:schemeClr>
-          </a:lnRef>
-          <a:fillRef idx="1">
-            <a:schemeClr val="accent1"/>
-          </a:fillRef>
-          <a:effectRef idx="0">
-            <a:schemeClr val="accent1"/>
-          </a:effectRef>
-          <a:fontRef idx="minor">
-            <a:schemeClr val="lt1"/>
-          </a:fontRef>
-        </p:style>
-        <p:txBody>
-          <a:bodyPr rtlCol="0" anchor="ctr"/>
-          <a:lstStyle/>
-          <a:p>
-            <a:pPr algn="ctr"/>
-            <a:endParaRPr lang="en-US"/>
-          </a:p>
-        </p:txBody>
-      </p:sp>
-      <p:sp>
-        <p:nvSpPr>
-          <p:cNvPr id="10" name="Freeform: Shape 9">
-            <a:extLst>
-              <a:ext uri="{FF2B5EF4-FFF2-40B4-BE49-F238E27FC236}">
-                <a16:creationId xmlns:a16="http://schemas.microsoft.com/office/drawing/2014/main" id="{ADDB2DA8-7BBD-7E2E-E69B-745246D83FA4}"/>
-              </a:ext>
-              <a:ext uri="{C183D7F6-B498-43B3-948B-1728B52AA6E4}">
-                <adec:decorative xmlns:adec="http://schemas.microsoft.com/office/drawing/2017/decorative" val="1"/>
-              </a:ext>
-            </a:extLst>
-          </p:cNvPr>
-          <p:cNvSpPr>
-            <a:spLocks noGrp="1" noRot="1" noChangeAspect="1" noMove="1" noResize="1" noEditPoints="1" noAdjustHandles="1" noChangeArrowheads="1" noChangeShapeType="1" noTextEdit="1"/>
-          </p:cNvSpPr>
-          <p:nvPr>
-            <p:extLst>
-              <p:ext uri="{386F3935-93C4-4BCD-93E2-E3B085C9AB24}">
-                <p16:designElem xmlns:p16="http://schemas.microsoft.com/office/powerpoint/2015/main" val="1"/>
-              </p:ext>
-            </p:extLst>
-          </p:nvPr>
-        </p:nvSpPr>
-        <p:spPr>
-          <a:xfrm>
-            <a:off x="10208695" y="1"/>
-            <a:ext cx="1135066" cy="477997"/>
-          </a:xfrm>
-          <a:custGeom>
-            <a:avLst/>
-            <a:gdLst>
-              <a:gd name="connsiteX0" fmla="*/ 0 w 1135066"/>
-              <a:gd name="connsiteY0" fmla="*/ 0 h 477997"/>
-              <a:gd name="connsiteX1" fmla="*/ 1135066 w 1135066"/>
-              <a:gd name="connsiteY1" fmla="*/ 0 h 477997"/>
-              <a:gd name="connsiteX2" fmla="*/ 1133370 w 1135066"/>
-              <a:gd name="connsiteY2" fmla="*/ 16827 h 477997"/>
-              <a:gd name="connsiteX3" fmla="*/ 567533 w 1135066"/>
-              <a:gd name="connsiteY3" fmla="*/ 477997 h 477997"/>
-              <a:gd name="connsiteX4" fmla="*/ 1696 w 1135066"/>
-              <a:gd name="connsiteY4" fmla="*/ 16827 h 477997"/>
-            </a:gdLst>
-            <a:ahLst/>
-            <a:cxnLst>
-              <a:cxn ang="0">
-                <a:pos x="connsiteX0" y="connsiteY0"/>
-              </a:cxn>
-              <a:cxn ang="0">
-                <a:pos x="connsiteX1" y="connsiteY1"/>
-              </a:cxn>
-              <a:cxn ang="0">
-                <a:pos x="connsiteX2" y="connsiteY2"/>
-              </a:cxn>
-              <a:cxn ang="0">
-                <a:pos x="connsiteX3" y="connsiteY3"/>
-              </a:cxn>
-              <a:cxn ang="0">
-                <a:pos x="connsiteX4" y="connsiteY4"/>
-              </a:cxn>
-            </a:cxnLst>
-            <a:rect l="l" t="t" r="r" b="b"/>
-            <a:pathLst>
-              <a:path w="1135066" h="477997">
-                <a:moveTo>
-                  <a:pt x="0" y="0"/>
-                </a:moveTo>
-                <a:lnTo>
-                  <a:pt x="1135066" y="0"/>
-                </a:lnTo>
-                <a:lnTo>
-                  <a:pt x="1133370" y="16827"/>
-                </a:lnTo>
-                <a:cubicBezTo>
-                  <a:pt x="1079514" y="280016"/>
-                  <a:pt x="846644" y="477997"/>
-                  <a:pt x="567533" y="477997"/>
-                </a:cubicBezTo>
-                <a:cubicBezTo>
-                  <a:pt x="288422" y="477997"/>
-                  <a:pt x="55552" y="280016"/>
-                  <a:pt x="1696" y="16827"/>
-                </a:cubicBezTo>
-                <a:close/>
-              </a:path>
-            </a:pathLst>
-          </a:custGeom>
-          <a:solidFill>
-            <a:schemeClr val="accent4"/>
-          </a:solidFill>
-          <a:ln>
-            <a:noFill/>
-          </a:ln>
-        </p:spPr>
-        <p:style>
-          <a:lnRef idx="2">
-            <a:schemeClr val="accent1">
-              <a:shade val="50000"/>
-            </a:schemeClr>
-          </a:lnRef>
-          <a:fillRef idx="1">
-            <a:schemeClr val="accent1"/>
-          </a:fillRef>
-          <a:effectRef idx="0">
-            <a:schemeClr val="accent1"/>
-          </a:effectRef>
-          <a:fontRef idx="minor">
-            <a:schemeClr val="lt1"/>
-          </a:fontRef>
-        </p:style>
-        <p:txBody>
-          <a:bodyPr wrap="square" rtlCol="0" anchor="ctr">
-            <a:noAutofit/>
-          </a:bodyPr>
-          <a:lstStyle/>
-          <a:p>
-            <a:pPr algn="ctr"/>
-            <a:endParaRPr lang="en-US"/>
-          </a:p>
-        </p:txBody>
-      </p:sp>
-      <p:sp>
-        <p:nvSpPr>
-          <p:cNvPr id="2" name="Title 1">
-            <a:extLst>
-              <a:ext uri="{FF2B5EF4-FFF2-40B4-BE49-F238E27FC236}">
-                <a16:creationId xmlns:a16="http://schemas.microsoft.com/office/drawing/2014/main" id="{F1E11F20-89EC-9F54-035F-7618AABC22F4}"/>
-              </a:ext>
-            </a:extLst>
-          </p:cNvPr>
-          <p:cNvSpPr>
-            <a:spLocks noGrp="1"/>
-          </p:cNvSpPr>
-          <p:nvPr>
-            <p:ph type="title"/>
-          </p:nvPr>
-        </p:nvSpPr>
-        <p:spPr>
-          <a:xfrm>
-            <a:off x="838200" y="365125"/>
-            <a:ext cx="10515600" cy="1325563"/>
-          </a:xfrm>
-          <a:ln w="76200">
-            <a:solidFill>
-              <a:schemeClr val="accent4"/>
-            </a:solidFill>
-          </a:ln>
-        </p:spPr>
-        <p:txBody>
-          <a:bodyPr>
-            <a:normAutofit/>
-          </a:bodyPr>
-          <a:lstStyle/>
-          <a:p>
-            <a:r>
-              <a:rPr lang="en-US" sz="3200" dirty="0"/>
-              <a:t>Bivariate Analysis Summary – </a:t>
-            </a:r>
-            <a:r>
-              <a:rPr lang="en-US" sz="3200" dirty="0">
-                <a:solidFill>
-                  <a:schemeClr val="accent2"/>
-                </a:solidFill>
-              </a:rPr>
-              <a:t>Inferences</a:t>
-            </a:r>
-            <a:endParaRPr lang="en-US" sz="3200" dirty="0"/>
-          </a:p>
-        </p:txBody>
-      </p:sp>
-      <p:sp>
-        <p:nvSpPr>
-          <p:cNvPr id="12" name="Arc 11">
-            <a:extLst>
-              <a:ext uri="{FF2B5EF4-FFF2-40B4-BE49-F238E27FC236}">
-                <a16:creationId xmlns:a16="http://schemas.microsoft.com/office/drawing/2014/main" id="{407AF578-A184-452B-3D3F-C2F6DEF34732}"/>
-              </a:ext>
-              <a:ext uri="{C183D7F6-B498-43B3-948B-1728B52AA6E4}">
-                <adec:decorative xmlns:adec="http://schemas.microsoft.com/office/drawing/2017/decorative" val="1"/>
-              </a:ext>
-            </a:extLst>
-          </p:cNvPr>
-          <p:cNvSpPr>
-            <a:spLocks noGrp="1" noRot="1" noChangeAspect="1" noMove="1" noResize="1" noEditPoints="1" noAdjustHandles="1" noChangeArrowheads="1" noChangeShapeType="1" noTextEdit="1"/>
-          </p:cNvSpPr>
-          <p:nvPr>
-            <p:extLst>
-              <p:ext uri="{386F3935-93C4-4BCD-93E2-E3B085C9AB24}">
-                <p16:designElem xmlns:p16="http://schemas.microsoft.com/office/powerpoint/2015/main" val="1"/>
-              </p:ext>
-            </p:extLst>
-          </p:nvPr>
-        </p:nvSpPr>
-        <p:spPr>
-          <a:xfrm rot="5400000" flipV="1">
-            <a:off x="555710" y="2183223"/>
-            <a:ext cx="4083433" cy="4083433"/>
-          </a:xfrm>
-          <a:prstGeom prst="arc">
-            <a:avLst/>
-          </a:prstGeom>
-          <a:ln w="127000" cap="rnd">
-            <a:solidFill>
-              <a:schemeClr val="accent4"/>
-            </a:solidFill>
-            <a:prstDash val="dash"/>
-          </a:ln>
-        </p:spPr>
-        <p:style>
-          <a:lnRef idx="1">
-            <a:schemeClr val="accent1"/>
-          </a:lnRef>
-          <a:fillRef idx="0">
-            <a:schemeClr val="accent1"/>
-          </a:fillRef>
-          <a:effectRef idx="0">
-            <a:schemeClr val="accent1"/>
-          </a:effectRef>
-          <a:fontRef idx="minor">
-            <a:schemeClr val="tx1"/>
-          </a:fontRef>
-        </p:style>
-        <p:txBody>
-          <a:bodyPr rtlCol="0" anchor="ctr"/>
-          <a:lstStyle/>
-          <a:p>
-            <a:pPr algn="ctr"/>
-            <a:endParaRPr lang="en-US" dirty="0"/>
-          </a:p>
-        </p:txBody>
-      </p:sp>
-      <p:sp>
-        <p:nvSpPr>
-          <p:cNvPr id="3" name="Content Placeholder 2">
-            <a:extLst>
-              <a:ext uri="{FF2B5EF4-FFF2-40B4-BE49-F238E27FC236}">
-                <a16:creationId xmlns:a16="http://schemas.microsoft.com/office/drawing/2014/main" id="{5B9F3FBD-8AC7-8012-5AAC-6DEB3EF984AA}"/>
-              </a:ext>
-            </a:extLst>
-          </p:cNvPr>
-          <p:cNvSpPr>
-            <a:spLocks noGrp="1"/>
-          </p:cNvSpPr>
-          <p:nvPr>
-            <p:ph idx="1"/>
-          </p:nvPr>
-        </p:nvSpPr>
-        <p:spPr>
-          <a:xfrm>
-            <a:off x="838200" y="1825625"/>
-            <a:ext cx="10515600" cy="4351338"/>
-          </a:xfrm>
-        </p:spPr>
-        <p:txBody>
-          <a:bodyPr>
-            <a:normAutofit/>
-          </a:bodyPr>
-          <a:lstStyle/>
-          <a:p>
-            <a:pPr marL="0" indent="0">
-              <a:buNone/>
-            </a:pPr>
-            <a:r>
-              <a:rPr lang="en-US" dirty="0">
-                <a:solidFill>
-                  <a:schemeClr val="accent2"/>
-                </a:solidFill>
-              </a:rPr>
-              <a:t>3. Applicants Homeownership</a:t>
-            </a:r>
-          </a:p>
-          <a:p>
-            <a:pPr marL="0" indent="0">
-              <a:buNone/>
-            </a:pPr>
-            <a:r>
-              <a:rPr lang="en-US" sz="2300" dirty="0"/>
-              <a:t>The homeownership status of RENT and MORTGAGE are at the highest risk of Charge Offs</a:t>
-            </a:r>
-          </a:p>
-          <a:p>
-            <a:pPr marL="0" indent="0">
-              <a:buNone/>
-            </a:pPr>
-            <a:endParaRPr lang="en-US" sz="2300" dirty="0">
-              <a:solidFill>
-                <a:schemeClr val="accent2"/>
-              </a:solidFill>
-            </a:endParaRPr>
-          </a:p>
-          <a:p>
-            <a:pPr marL="0" indent="0">
-              <a:buNone/>
-            </a:pPr>
-            <a:r>
-              <a:rPr lang="en-US" sz="2300" dirty="0">
-                <a:solidFill>
-                  <a:schemeClr val="accent2"/>
-                </a:solidFill>
-              </a:rPr>
-              <a:t>4. </a:t>
-            </a:r>
-            <a:r>
-              <a:rPr lang="en-US" dirty="0">
-                <a:solidFill>
-                  <a:schemeClr val="accent2"/>
-                </a:solidFill>
-              </a:rPr>
-              <a:t>Verification Status</a:t>
-            </a:r>
-          </a:p>
-          <a:p>
-            <a:pPr lvl="1"/>
-            <a:r>
-              <a:rPr lang="en-US" sz="1900" dirty="0"/>
-              <a:t>Charge-off rate is not significantly impacted by verification status (Verified or Not Verified), though purely in terms of volume Not Verified applicants are higher.</a:t>
-            </a:r>
-          </a:p>
-          <a:p>
-            <a:pPr lvl="1"/>
-            <a:r>
-              <a:rPr lang="en-US" sz="1900" dirty="0"/>
-              <a:t>Focus on other factors to improve lending decisions.</a:t>
-            </a:r>
-          </a:p>
-          <a:p>
-            <a:pPr lvl="1"/>
-            <a:r>
-              <a:rPr lang="en-US" sz="1900" dirty="0"/>
-              <a:t>Investigate potential flaws in the verification process.</a:t>
-            </a:r>
-            <a:endParaRPr lang="en-US" dirty="0">
-              <a:solidFill>
-                <a:schemeClr val="accent2"/>
-              </a:solidFill>
-            </a:endParaRPr>
-          </a:p>
-          <a:p>
-            <a:pPr marL="0" indent="0">
-              <a:buNone/>
-            </a:pPr>
-            <a:endParaRPr lang="en-US" dirty="0"/>
-          </a:p>
-          <a:p>
-            <a:pPr marL="514350" indent="-514350">
-              <a:buAutoNum type="arabicPeriod"/>
-            </a:pPr>
-            <a:endParaRPr lang="en-US" dirty="0"/>
-          </a:p>
-        </p:txBody>
-      </p:sp>
-    </p:spTree>
-    <p:extLst>
-      <p:ext uri="{BB962C8B-B14F-4D97-AF65-F5344CB8AC3E}">
-        <p14:creationId xmlns:p14="http://schemas.microsoft.com/office/powerpoint/2010/main" val="3837018207"/>
-      </p:ext>
-    </p:extLst>
-  </p:cSld>
-  <p:clrMapOvr>
-    <a:masterClrMapping/>
-  </p:clrMapOvr>
-</p:sld>
-</file>
-
-<file path=ppt/slides/slide41.xml><?xml version="1.0" encoding="utf-8"?>
-<p:sld xmlns:a="http://schemas.openxmlformats.org/drawingml/2006/main" xmlns:r="http://schemas.openxmlformats.org/officeDocument/2006/relationships" xmlns:p="http://schemas.openxmlformats.org/presentationml/2006/main">
-  <p:cSld>
-    <p:bg>
-      <p:bgPr>
-        <a:solidFill>
-          <a:schemeClr val="bg1"/>
-        </a:solidFill>
-        <a:effectLst/>
-      </p:bgPr>
-    </p:bg>
-    <p:spTree>
-      <p:nvGrpSpPr>
-        <p:cNvPr id="1" name="">
-          <a:extLst>
-            <a:ext uri="{FF2B5EF4-FFF2-40B4-BE49-F238E27FC236}">
-              <a16:creationId xmlns:a16="http://schemas.microsoft.com/office/drawing/2014/main" id="{2DCCBAB0-415D-55B3-C5DF-805851AB7FCC}"/>
-            </a:ext>
-          </a:extLst>
-        </p:cNvPr>
-        <p:cNvGrpSpPr/>
-        <p:nvPr/>
-      </p:nvGrpSpPr>
-      <p:grpSpPr>
-        <a:xfrm>
-          <a:off x="0" y="0"/>
-          <a:ext cx="0" cy="0"/>
-          <a:chOff x="0" y="0"/>
-          <a:chExt cx="0" cy="0"/>
-        </a:xfrm>
-      </p:grpSpPr>
-      <p:sp useBgFill="1">
-        <p:nvSpPr>
-          <p:cNvPr id="8" name="Rectangle 7">
-            <a:extLst>
-              <a:ext uri="{FF2B5EF4-FFF2-40B4-BE49-F238E27FC236}">
-                <a16:creationId xmlns:a16="http://schemas.microsoft.com/office/drawing/2014/main" id="{160D309E-1B9B-0F30-C86A-3CDC3DC6E3AC}"/>
-              </a:ext>
-              <a:ext uri="{C183D7F6-B498-43B3-948B-1728B52AA6E4}">
-                <adec:decorative xmlns:adec="http://schemas.microsoft.com/office/drawing/2017/decorative" val="1"/>
-              </a:ext>
-            </a:extLst>
-          </p:cNvPr>
-          <p:cNvSpPr>
-            <a:spLocks noGrp="1" noRot="1" noChangeAspect="1" noMove="1" noResize="1" noEditPoints="1" noAdjustHandles="1" noChangeArrowheads="1" noChangeShapeType="1" noTextEdit="1"/>
-          </p:cNvSpPr>
-          <p:nvPr>
-            <p:extLst>
-              <p:ext uri="{386F3935-93C4-4BCD-93E2-E3B085C9AB24}">
-                <p16:designElem xmlns:p16="http://schemas.microsoft.com/office/powerpoint/2015/main" val="1"/>
-              </p:ext>
-            </p:extLst>
-          </p:nvPr>
-        </p:nvSpPr>
-        <p:spPr>
-          <a:xfrm>
-            <a:off x="3048" y="0"/>
-            <a:ext cx="12188952" cy="6858000"/>
-          </a:xfrm>
-          <a:prstGeom prst="rect">
-            <a:avLst/>
-          </a:prstGeom>
-          <a:ln>
-            <a:noFill/>
-          </a:ln>
-        </p:spPr>
-        <p:style>
-          <a:lnRef idx="2">
-            <a:schemeClr val="accent1">
-              <a:shade val="50000"/>
-            </a:schemeClr>
-          </a:lnRef>
-          <a:fillRef idx="1">
-            <a:schemeClr val="accent1"/>
-          </a:fillRef>
-          <a:effectRef idx="0">
-            <a:schemeClr val="accent1"/>
-          </a:effectRef>
-          <a:fontRef idx="minor">
-            <a:schemeClr val="lt1"/>
-          </a:fontRef>
-        </p:style>
-        <p:txBody>
-          <a:bodyPr rtlCol="0" anchor="ctr"/>
-          <a:lstStyle/>
-          <a:p>
-            <a:pPr algn="ctr"/>
-            <a:endParaRPr lang="en-US"/>
-          </a:p>
-        </p:txBody>
-      </p:sp>
-      <p:sp>
-        <p:nvSpPr>
-          <p:cNvPr id="10" name="Freeform: Shape 9">
-            <a:extLst>
-              <a:ext uri="{FF2B5EF4-FFF2-40B4-BE49-F238E27FC236}">
-                <a16:creationId xmlns:a16="http://schemas.microsoft.com/office/drawing/2014/main" id="{EE73A838-F779-8F7E-D4C7-C02496E186C4}"/>
-              </a:ext>
-              <a:ext uri="{C183D7F6-B498-43B3-948B-1728B52AA6E4}">
-                <adec:decorative xmlns:adec="http://schemas.microsoft.com/office/drawing/2017/decorative" val="1"/>
-              </a:ext>
-            </a:extLst>
-          </p:cNvPr>
-          <p:cNvSpPr>
-            <a:spLocks noGrp="1" noRot="1" noChangeAspect="1" noMove="1" noResize="1" noEditPoints="1" noAdjustHandles="1" noChangeArrowheads="1" noChangeShapeType="1" noTextEdit="1"/>
-          </p:cNvSpPr>
-          <p:nvPr>
-            <p:extLst>
-              <p:ext uri="{386F3935-93C4-4BCD-93E2-E3B085C9AB24}">
-                <p16:designElem xmlns:p16="http://schemas.microsoft.com/office/powerpoint/2015/main" val="1"/>
-              </p:ext>
-            </p:extLst>
-          </p:nvPr>
-        </p:nvSpPr>
-        <p:spPr>
-          <a:xfrm>
-            <a:off x="10208695" y="1"/>
-            <a:ext cx="1135066" cy="477997"/>
-          </a:xfrm>
-          <a:custGeom>
-            <a:avLst/>
-            <a:gdLst>
-              <a:gd name="connsiteX0" fmla="*/ 0 w 1135066"/>
-              <a:gd name="connsiteY0" fmla="*/ 0 h 477997"/>
-              <a:gd name="connsiteX1" fmla="*/ 1135066 w 1135066"/>
-              <a:gd name="connsiteY1" fmla="*/ 0 h 477997"/>
-              <a:gd name="connsiteX2" fmla="*/ 1133370 w 1135066"/>
-              <a:gd name="connsiteY2" fmla="*/ 16827 h 477997"/>
-              <a:gd name="connsiteX3" fmla="*/ 567533 w 1135066"/>
-              <a:gd name="connsiteY3" fmla="*/ 477997 h 477997"/>
-              <a:gd name="connsiteX4" fmla="*/ 1696 w 1135066"/>
-              <a:gd name="connsiteY4" fmla="*/ 16827 h 477997"/>
-            </a:gdLst>
-            <a:ahLst/>
-            <a:cxnLst>
-              <a:cxn ang="0">
-                <a:pos x="connsiteX0" y="connsiteY0"/>
-              </a:cxn>
-              <a:cxn ang="0">
-                <a:pos x="connsiteX1" y="connsiteY1"/>
-              </a:cxn>
-              <a:cxn ang="0">
-                <a:pos x="connsiteX2" y="connsiteY2"/>
-              </a:cxn>
-              <a:cxn ang="0">
-                <a:pos x="connsiteX3" y="connsiteY3"/>
-              </a:cxn>
-              <a:cxn ang="0">
-                <a:pos x="connsiteX4" y="connsiteY4"/>
-              </a:cxn>
-            </a:cxnLst>
-            <a:rect l="l" t="t" r="r" b="b"/>
-            <a:pathLst>
-              <a:path w="1135066" h="477997">
-                <a:moveTo>
-                  <a:pt x="0" y="0"/>
-                </a:moveTo>
-                <a:lnTo>
-                  <a:pt x="1135066" y="0"/>
-                </a:lnTo>
-                <a:lnTo>
-                  <a:pt x="1133370" y="16827"/>
-                </a:lnTo>
-                <a:cubicBezTo>
-                  <a:pt x="1079514" y="280016"/>
-                  <a:pt x="846644" y="477997"/>
-                  <a:pt x="567533" y="477997"/>
-                </a:cubicBezTo>
-                <a:cubicBezTo>
-                  <a:pt x="288422" y="477997"/>
-                  <a:pt x="55552" y="280016"/>
-                  <a:pt x="1696" y="16827"/>
-                </a:cubicBezTo>
-                <a:close/>
-              </a:path>
-            </a:pathLst>
-          </a:custGeom>
-          <a:solidFill>
-            <a:schemeClr val="accent4"/>
-          </a:solidFill>
-          <a:ln>
-            <a:noFill/>
-          </a:ln>
-        </p:spPr>
-        <p:style>
-          <a:lnRef idx="2">
-            <a:schemeClr val="accent1">
-              <a:shade val="50000"/>
-            </a:schemeClr>
-          </a:lnRef>
-          <a:fillRef idx="1">
-            <a:schemeClr val="accent1"/>
-          </a:fillRef>
-          <a:effectRef idx="0">
-            <a:schemeClr val="accent1"/>
-          </a:effectRef>
-          <a:fontRef idx="minor">
-            <a:schemeClr val="lt1"/>
-          </a:fontRef>
-        </p:style>
-        <p:txBody>
-          <a:bodyPr wrap="square" rtlCol="0" anchor="ctr">
-            <a:noAutofit/>
-          </a:bodyPr>
-          <a:lstStyle/>
-          <a:p>
-            <a:pPr algn="ctr"/>
-            <a:endParaRPr lang="en-US"/>
-          </a:p>
-        </p:txBody>
-      </p:sp>
-      <p:sp>
-        <p:nvSpPr>
-          <p:cNvPr id="2" name="Title 1">
-            <a:extLst>
-              <a:ext uri="{FF2B5EF4-FFF2-40B4-BE49-F238E27FC236}">
-                <a16:creationId xmlns:a16="http://schemas.microsoft.com/office/drawing/2014/main" id="{D10EA4E3-A5A8-D708-AC63-3286640D132C}"/>
-              </a:ext>
-            </a:extLst>
-          </p:cNvPr>
-          <p:cNvSpPr>
-            <a:spLocks noGrp="1"/>
-          </p:cNvSpPr>
-          <p:nvPr>
-            <p:ph type="title"/>
-          </p:nvPr>
-        </p:nvSpPr>
-        <p:spPr>
-          <a:xfrm>
-            <a:off x="838200" y="365125"/>
-            <a:ext cx="10515600" cy="1325563"/>
-          </a:xfrm>
-          <a:ln w="76200">
-            <a:solidFill>
-              <a:schemeClr val="accent4"/>
-            </a:solidFill>
-          </a:ln>
-        </p:spPr>
-        <p:txBody>
-          <a:bodyPr>
-            <a:normAutofit/>
-          </a:bodyPr>
-          <a:lstStyle/>
-          <a:p>
-            <a:r>
-              <a:rPr lang="en-US" sz="3200" dirty="0"/>
-              <a:t>Bivariate Analysis Summary – </a:t>
-            </a:r>
-            <a:r>
-              <a:rPr lang="en-US" sz="3200" dirty="0">
-                <a:solidFill>
-                  <a:schemeClr val="accent2"/>
-                </a:solidFill>
-              </a:rPr>
-              <a:t>Inferences</a:t>
-            </a:r>
-            <a:endParaRPr lang="en-US" sz="3200" dirty="0"/>
-          </a:p>
-        </p:txBody>
-      </p:sp>
-      <p:sp>
-        <p:nvSpPr>
-          <p:cNvPr id="12" name="Arc 11">
-            <a:extLst>
-              <a:ext uri="{FF2B5EF4-FFF2-40B4-BE49-F238E27FC236}">
-                <a16:creationId xmlns:a16="http://schemas.microsoft.com/office/drawing/2014/main" id="{180727A0-0391-5025-3D07-282DD19A7320}"/>
-              </a:ext>
-              <a:ext uri="{C183D7F6-B498-43B3-948B-1728B52AA6E4}">
-                <adec:decorative xmlns:adec="http://schemas.microsoft.com/office/drawing/2017/decorative" val="1"/>
-              </a:ext>
-            </a:extLst>
-          </p:cNvPr>
-          <p:cNvSpPr>
-            <a:spLocks noGrp="1" noRot="1" noChangeAspect="1" noMove="1" noResize="1" noEditPoints="1" noAdjustHandles="1" noChangeArrowheads="1" noChangeShapeType="1" noTextEdit="1"/>
-          </p:cNvSpPr>
-          <p:nvPr>
-            <p:extLst>
-              <p:ext uri="{386F3935-93C4-4BCD-93E2-E3B085C9AB24}">
-                <p16:designElem xmlns:p16="http://schemas.microsoft.com/office/powerpoint/2015/main" val="1"/>
-              </p:ext>
-            </p:extLst>
-          </p:nvPr>
-        </p:nvSpPr>
-        <p:spPr>
-          <a:xfrm rot="5400000" flipV="1">
-            <a:off x="555710" y="2183223"/>
-            <a:ext cx="4083433" cy="4083433"/>
-          </a:xfrm>
-          <a:prstGeom prst="arc">
-            <a:avLst/>
-          </a:prstGeom>
-          <a:ln w="127000" cap="rnd">
-            <a:solidFill>
-              <a:schemeClr val="accent4"/>
-            </a:solidFill>
-            <a:prstDash val="dash"/>
-          </a:ln>
-        </p:spPr>
-        <p:style>
-          <a:lnRef idx="1">
-            <a:schemeClr val="accent1"/>
-          </a:lnRef>
-          <a:fillRef idx="0">
-            <a:schemeClr val="accent1"/>
-          </a:fillRef>
-          <a:effectRef idx="0">
-            <a:schemeClr val="accent1"/>
-          </a:effectRef>
-          <a:fontRef idx="minor">
-            <a:schemeClr val="tx1"/>
-          </a:fontRef>
-        </p:style>
-        <p:txBody>
-          <a:bodyPr rtlCol="0" anchor="ctr"/>
-          <a:lstStyle/>
-          <a:p>
-            <a:pPr algn="ctr"/>
-            <a:endParaRPr lang="en-US" dirty="0"/>
-          </a:p>
-        </p:txBody>
-      </p:sp>
-      <p:sp>
-        <p:nvSpPr>
-          <p:cNvPr id="3" name="Content Placeholder 2">
-            <a:extLst>
-              <a:ext uri="{FF2B5EF4-FFF2-40B4-BE49-F238E27FC236}">
-                <a16:creationId xmlns:a16="http://schemas.microsoft.com/office/drawing/2014/main" id="{A90D22AB-68EB-1FA5-5859-E756E7A6516A}"/>
-              </a:ext>
-            </a:extLst>
-          </p:cNvPr>
-          <p:cNvSpPr>
-            <a:spLocks noGrp="1"/>
-          </p:cNvSpPr>
-          <p:nvPr>
-            <p:ph idx="1"/>
-          </p:nvPr>
-        </p:nvSpPr>
-        <p:spPr>
-          <a:xfrm>
-            <a:off x="838200" y="1825625"/>
-            <a:ext cx="10515600" cy="4351338"/>
-          </a:xfrm>
-        </p:spPr>
-        <p:txBody>
-          <a:bodyPr>
-            <a:normAutofit/>
-          </a:bodyPr>
-          <a:lstStyle/>
-          <a:p>
-            <a:pPr marL="0" indent="0">
-              <a:buNone/>
-            </a:pPr>
-            <a:r>
-              <a:rPr lang="en-US" dirty="0">
-                <a:solidFill>
-                  <a:schemeClr val="accent2"/>
-                </a:solidFill>
-              </a:rPr>
-              <a:t>5. Loan Purpose</a:t>
-            </a:r>
-          </a:p>
-          <a:p>
-            <a:pPr lvl="1"/>
-            <a:r>
-              <a:rPr lang="en-US" sz="1900" dirty="0"/>
-              <a:t>Debt consolidation has the highest volume of charge-offs.</a:t>
-            </a:r>
-          </a:p>
-          <a:p>
-            <a:pPr lvl="1"/>
-            <a:r>
-              <a:rPr lang="en-US" sz="1900" dirty="0"/>
-              <a:t>Small business loans carry a higher risk of charge-off.</a:t>
-            </a:r>
-          </a:p>
-          <a:p>
-            <a:pPr lvl="1"/>
-            <a:r>
-              <a:rPr lang="en-US" sz="1900" dirty="0"/>
-              <a:t>Renewable energy projects experience the lowest volume of charge-offs.</a:t>
-            </a:r>
-          </a:p>
-          <a:p>
-            <a:pPr lvl="1"/>
-            <a:endParaRPr lang="en-US" sz="1900" dirty="0"/>
-          </a:p>
-          <a:p>
-            <a:pPr marL="0" indent="0">
-              <a:buNone/>
-            </a:pPr>
-            <a:r>
-              <a:rPr lang="en-US" dirty="0">
-                <a:solidFill>
-                  <a:schemeClr val="accent2"/>
-                </a:solidFill>
-              </a:rPr>
-              <a:t>6. Address State</a:t>
-            </a:r>
-          </a:p>
-          <a:p>
-            <a:pPr lvl="1"/>
-            <a:r>
-              <a:rPr lang="en-US" sz="2000" dirty="0"/>
-              <a:t>Highest volume of loans is from CA and purely based on volumes the highest Charge Off's are from CA</a:t>
-            </a:r>
-          </a:p>
-          <a:p>
-            <a:pPr lvl="1"/>
-            <a:r>
-              <a:rPr lang="en-US" sz="2000" dirty="0"/>
-              <a:t>Loan applications from the state NV are having high risk of defaulting, </a:t>
-            </a:r>
-          </a:p>
-          <a:p>
-            <a:pPr lvl="1"/>
-            <a:r>
-              <a:rPr lang="en-US" sz="2000" dirty="0"/>
-              <a:t>The lending company needs to be cautious about lending to applicants from NV</a:t>
-            </a:r>
-          </a:p>
-        </p:txBody>
-      </p:sp>
-    </p:spTree>
-    <p:extLst>
-      <p:ext uri="{BB962C8B-B14F-4D97-AF65-F5344CB8AC3E}">
-        <p14:creationId xmlns:p14="http://schemas.microsoft.com/office/powerpoint/2010/main" val="4054809107"/>
-      </p:ext>
-    </p:extLst>
-  </p:cSld>
-  <p:clrMapOvr>
-    <a:masterClrMapping/>
-  </p:clrMapOvr>
-</p:sld>
-</file>
-
-<file path=ppt/slides/slide42.xml><?xml version="1.0" encoding="utf-8"?>
-<p:sld xmlns:a="http://schemas.openxmlformats.org/drawingml/2006/main" xmlns:r="http://schemas.openxmlformats.org/officeDocument/2006/relationships" xmlns:p="http://schemas.openxmlformats.org/presentationml/2006/main">
-  <p:cSld>
-    <p:bg>
-      <p:bgPr>
-        <a:solidFill>
-          <a:schemeClr val="bg1"/>
-        </a:solidFill>
-        <a:effectLst/>
-      </p:bgPr>
-    </p:bg>
-    <p:spTree>
-      <p:nvGrpSpPr>
-        <p:cNvPr id="1" name="">
-          <a:extLst>
-            <a:ext uri="{FF2B5EF4-FFF2-40B4-BE49-F238E27FC236}">
-              <a16:creationId xmlns:a16="http://schemas.microsoft.com/office/drawing/2014/main" id="{A93D39CE-ACB9-8AEB-81ED-DF769D6AAA84}"/>
-            </a:ext>
-          </a:extLst>
-        </p:cNvPr>
-        <p:cNvGrpSpPr/>
-        <p:nvPr/>
-      </p:nvGrpSpPr>
-      <p:grpSpPr>
-        <a:xfrm>
-          <a:off x="0" y="0"/>
-          <a:ext cx="0" cy="0"/>
-          <a:chOff x="0" y="0"/>
-          <a:chExt cx="0" cy="0"/>
-        </a:xfrm>
-      </p:grpSpPr>
-      <p:sp useBgFill="1">
-        <p:nvSpPr>
-          <p:cNvPr id="8" name="Rectangle 7">
-            <a:extLst>
-              <a:ext uri="{FF2B5EF4-FFF2-40B4-BE49-F238E27FC236}">
-                <a16:creationId xmlns:a16="http://schemas.microsoft.com/office/drawing/2014/main" id="{E72FAB07-C79C-FBB4-4862-133983F6E41D}"/>
-              </a:ext>
-              <a:ext uri="{C183D7F6-B498-43B3-948B-1728B52AA6E4}">
-                <adec:decorative xmlns:adec="http://schemas.microsoft.com/office/drawing/2017/decorative" val="1"/>
-              </a:ext>
-            </a:extLst>
-          </p:cNvPr>
-          <p:cNvSpPr>
-            <a:spLocks noGrp="1" noRot="1" noChangeAspect="1" noMove="1" noResize="1" noEditPoints="1" noAdjustHandles="1" noChangeArrowheads="1" noChangeShapeType="1" noTextEdit="1"/>
-          </p:cNvSpPr>
-          <p:nvPr>
-            <p:extLst>
-              <p:ext uri="{386F3935-93C4-4BCD-93E2-E3B085C9AB24}">
-                <p16:designElem xmlns:p16="http://schemas.microsoft.com/office/powerpoint/2015/main" val="1"/>
-              </p:ext>
-            </p:extLst>
-          </p:nvPr>
-        </p:nvSpPr>
-        <p:spPr>
-          <a:xfrm>
-            <a:off x="3048" y="0"/>
-            <a:ext cx="12188952" cy="6858000"/>
-          </a:xfrm>
-          <a:prstGeom prst="rect">
-            <a:avLst/>
-          </a:prstGeom>
-          <a:ln>
-            <a:noFill/>
-          </a:ln>
-        </p:spPr>
-        <p:style>
-          <a:lnRef idx="2">
-            <a:schemeClr val="accent1">
-              <a:shade val="50000"/>
-            </a:schemeClr>
-          </a:lnRef>
-          <a:fillRef idx="1">
-            <a:schemeClr val="accent1"/>
-          </a:fillRef>
-          <a:effectRef idx="0">
-            <a:schemeClr val="accent1"/>
-          </a:effectRef>
-          <a:fontRef idx="minor">
-            <a:schemeClr val="lt1"/>
-          </a:fontRef>
-        </p:style>
-        <p:txBody>
-          <a:bodyPr rtlCol="0" anchor="ctr"/>
-          <a:lstStyle/>
-          <a:p>
-            <a:pPr algn="ctr"/>
-            <a:endParaRPr lang="en-US"/>
-          </a:p>
-        </p:txBody>
-      </p:sp>
-      <p:sp>
-        <p:nvSpPr>
-          <p:cNvPr id="10" name="Freeform: Shape 9">
-            <a:extLst>
-              <a:ext uri="{FF2B5EF4-FFF2-40B4-BE49-F238E27FC236}">
-                <a16:creationId xmlns:a16="http://schemas.microsoft.com/office/drawing/2014/main" id="{92D45E65-C730-9B04-0804-F4BC520B746A}"/>
-              </a:ext>
-              <a:ext uri="{C183D7F6-B498-43B3-948B-1728B52AA6E4}">
-                <adec:decorative xmlns:adec="http://schemas.microsoft.com/office/drawing/2017/decorative" val="1"/>
-              </a:ext>
-            </a:extLst>
-          </p:cNvPr>
-          <p:cNvSpPr>
-            <a:spLocks noGrp="1" noRot="1" noChangeAspect="1" noMove="1" noResize="1" noEditPoints="1" noAdjustHandles="1" noChangeArrowheads="1" noChangeShapeType="1" noTextEdit="1"/>
-          </p:cNvSpPr>
-          <p:nvPr>
-            <p:extLst>
-              <p:ext uri="{386F3935-93C4-4BCD-93E2-E3B085C9AB24}">
-                <p16:designElem xmlns:p16="http://schemas.microsoft.com/office/powerpoint/2015/main" val="1"/>
-              </p:ext>
-            </p:extLst>
-          </p:nvPr>
-        </p:nvSpPr>
-        <p:spPr>
-          <a:xfrm>
-            <a:off x="10208695" y="1"/>
-            <a:ext cx="1135066" cy="477997"/>
-          </a:xfrm>
-          <a:custGeom>
-            <a:avLst/>
-            <a:gdLst>
-              <a:gd name="connsiteX0" fmla="*/ 0 w 1135066"/>
-              <a:gd name="connsiteY0" fmla="*/ 0 h 477997"/>
-              <a:gd name="connsiteX1" fmla="*/ 1135066 w 1135066"/>
-              <a:gd name="connsiteY1" fmla="*/ 0 h 477997"/>
-              <a:gd name="connsiteX2" fmla="*/ 1133370 w 1135066"/>
-              <a:gd name="connsiteY2" fmla="*/ 16827 h 477997"/>
-              <a:gd name="connsiteX3" fmla="*/ 567533 w 1135066"/>
-              <a:gd name="connsiteY3" fmla="*/ 477997 h 477997"/>
-              <a:gd name="connsiteX4" fmla="*/ 1696 w 1135066"/>
-              <a:gd name="connsiteY4" fmla="*/ 16827 h 477997"/>
-            </a:gdLst>
-            <a:ahLst/>
-            <a:cxnLst>
-              <a:cxn ang="0">
-                <a:pos x="connsiteX0" y="connsiteY0"/>
-              </a:cxn>
-              <a:cxn ang="0">
-                <a:pos x="connsiteX1" y="connsiteY1"/>
-              </a:cxn>
-              <a:cxn ang="0">
-                <a:pos x="connsiteX2" y="connsiteY2"/>
-              </a:cxn>
-              <a:cxn ang="0">
-                <a:pos x="connsiteX3" y="connsiteY3"/>
-              </a:cxn>
-              <a:cxn ang="0">
-                <a:pos x="connsiteX4" y="connsiteY4"/>
-              </a:cxn>
-            </a:cxnLst>
-            <a:rect l="l" t="t" r="r" b="b"/>
-            <a:pathLst>
-              <a:path w="1135066" h="477997">
-                <a:moveTo>
-                  <a:pt x="0" y="0"/>
-                </a:moveTo>
-                <a:lnTo>
-                  <a:pt x="1135066" y="0"/>
-                </a:lnTo>
-                <a:lnTo>
-                  <a:pt x="1133370" y="16827"/>
-                </a:lnTo>
-                <a:cubicBezTo>
-                  <a:pt x="1079514" y="280016"/>
-                  <a:pt x="846644" y="477997"/>
-                  <a:pt x="567533" y="477997"/>
-                </a:cubicBezTo>
-                <a:cubicBezTo>
-                  <a:pt x="288422" y="477997"/>
-                  <a:pt x="55552" y="280016"/>
-                  <a:pt x="1696" y="16827"/>
-                </a:cubicBezTo>
-                <a:close/>
-              </a:path>
-            </a:pathLst>
-          </a:custGeom>
-          <a:solidFill>
-            <a:schemeClr val="accent4"/>
-          </a:solidFill>
-          <a:ln>
-            <a:noFill/>
-          </a:ln>
-        </p:spPr>
-        <p:style>
-          <a:lnRef idx="2">
-            <a:schemeClr val="accent1">
-              <a:shade val="50000"/>
-            </a:schemeClr>
-          </a:lnRef>
-          <a:fillRef idx="1">
-            <a:schemeClr val="accent1"/>
-          </a:fillRef>
-          <a:effectRef idx="0">
-            <a:schemeClr val="accent1"/>
-          </a:effectRef>
-          <a:fontRef idx="minor">
-            <a:schemeClr val="lt1"/>
-          </a:fontRef>
-        </p:style>
-        <p:txBody>
-          <a:bodyPr wrap="square" rtlCol="0" anchor="ctr">
-            <a:noAutofit/>
-          </a:bodyPr>
-          <a:lstStyle/>
-          <a:p>
-            <a:pPr algn="ctr"/>
-            <a:endParaRPr lang="en-US"/>
-          </a:p>
-        </p:txBody>
-      </p:sp>
-      <p:sp>
-        <p:nvSpPr>
-          <p:cNvPr id="2" name="Title 1">
-            <a:extLst>
-              <a:ext uri="{FF2B5EF4-FFF2-40B4-BE49-F238E27FC236}">
-                <a16:creationId xmlns:a16="http://schemas.microsoft.com/office/drawing/2014/main" id="{19B7BF96-CDE3-111B-BF89-4374BCA0C55C}"/>
-              </a:ext>
-            </a:extLst>
-          </p:cNvPr>
-          <p:cNvSpPr>
-            <a:spLocks noGrp="1"/>
-          </p:cNvSpPr>
-          <p:nvPr>
-            <p:ph type="title"/>
-          </p:nvPr>
-        </p:nvSpPr>
-        <p:spPr>
-          <a:xfrm>
-            <a:off x="838200" y="365125"/>
-            <a:ext cx="10515600" cy="1325563"/>
-          </a:xfrm>
-          <a:ln w="76200">
-            <a:solidFill>
-              <a:schemeClr val="accent4"/>
-            </a:solidFill>
-          </a:ln>
-        </p:spPr>
-        <p:txBody>
-          <a:bodyPr>
-            <a:normAutofit/>
-          </a:bodyPr>
-          <a:lstStyle/>
-          <a:p>
-            <a:r>
-              <a:rPr lang="en-US" sz="3200" dirty="0"/>
-              <a:t>Bivariate Analysis Summary – </a:t>
-            </a:r>
-            <a:r>
-              <a:rPr lang="en-US" sz="3200" dirty="0">
-                <a:solidFill>
-                  <a:schemeClr val="accent2"/>
-                </a:solidFill>
-              </a:rPr>
-              <a:t>Inferences</a:t>
-            </a:r>
-            <a:endParaRPr lang="en-US" sz="3200" dirty="0"/>
-          </a:p>
-        </p:txBody>
-      </p:sp>
-      <p:sp>
-        <p:nvSpPr>
-          <p:cNvPr id="12" name="Arc 11">
-            <a:extLst>
-              <a:ext uri="{FF2B5EF4-FFF2-40B4-BE49-F238E27FC236}">
-                <a16:creationId xmlns:a16="http://schemas.microsoft.com/office/drawing/2014/main" id="{8338E129-9C5B-E5E7-AA13-9418882E4C78}"/>
-              </a:ext>
-              <a:ext uri="{C183D7F6-B498-43B3-948B-1728B52AA6E4}">
-                <adec:decorative xmlns:adec="http://schemas.microsoft.com/office/drawing/2017/decorative" val="1"/>
-              </a:ext>
-            </a:extLst>
-          </p:cNvPr>
-          <p:cNvSpPr>
-            <a:spLocks noGrp="1" noRot="1" noChangeAspect="1" noMove="1" noResize="1" noEditPoints="1" noAdjustHandles="1" noChangeArrowheads="1" noChangeShapeType="1" noTextEdit="1"/>
-          </p:cNvSpPr>
-          <p:nvPr>
-            <p:extLst>
-              <p:ext uri="{386F3935-93C4-4BCD-93E2-E3B085C9AB24}">
-                <p16:designElem xmlns:p16="http://schemas.microsoft.com/office/powerpoint/2015/main" val="1"/>
-              </p:ext>
-            </p:extLst>
-          </p:nvPr>
-        </p:nvSpPr>
-        <p:spPr>
-          <a:xfrm rot="5400000" flipV="1">
-            <a:off x="555710" y="2183223"/>
-            <a:ext cx="4083433" cy="4083433"/>
-          </a:xfrm>
-          <a:prstGeom prst="arc">
-            <a:avLst/>
-          </a:prstGeom>
-          <a:ln w="127000" cap="rnd">
-            <a:solidFill>
-              <a:schemeClr val="accent4"/>
-            </a:solidFill>
-            <a:prstDash val="dash"/>
-          </a:ln>
-        </p:spPr>
-        <p:style>
-          <a:lnRef idx="1">
-            <a:schemeClr val="accent1"/>
-          </a:lnRef>
-          <a:fillRef idx="0">
-            <a:schemeClr val="accent1"/>
-          </a:fillRef>
-          <a:effectRef idx="0">
-            <a:schemeClr val="accent1"/>
-          </a:effectRef>
-          <a:fontRef idx="minor">
-            <a:schemeClr val="tx1"/>
-          </a:fontRef>
-        </p:style>
-        <p:txBody>
-          <a:bodyPr rtlCol="0" anchor="ctr"/>
-          <a:lstStyle/>
-          <a:p>
-            <a:pPr algn="ctr"/>
-            <a:endParaRPr lang="en-US" dirty="0"/>
-          </a:p>
-        </p:txBody>
-      </p:sp>
-      <p:sp>
-        <p:nvSpPr>
-          <p:cNvPr id="3" name="Content Placeholder 2">
-            <a:extLst>
-              <a:ext uri="{FF2B5EF4-FFF2-40B4-BE49-F238E27FC236}">
-                <a16:creationId xmlns:a16="http://schemas.microsoft.com/office/drawing/2014/main" id="{7F2D4E12-210F-846C-073E-771D9238F399}"/>
-              </a:ext>
-            </a:extLst>
-          </p:cNvPr>
-          <p:cNvSpPr>
-            <a:spLocks noGrp="1"/>
-          </p:cNvSpPr>
-          <p:nvPr>
-            <p:ph idx="1"/>
-          </p:nvPr>
-        </p:nvSpPr>
-        <p:spPr>
-          <a:xfrm>
-            <a:off x="838200" y="1825625"/>
-            <a:ext cx="10515600" cy="4351338"/>
-          </a:xfrm>
-        </p:spPr>
-        <p:txBody>
-          <a:bodyPr>
-            <a:normAutofit/>
-          </a:bodyPr>
-          <a:lstStyle/>
-          <a:p>
-            <a:pPr marL="0" indent="0">
-              <a:buNone/>
-            </a:pPr>
-            <a:r>
-              <a:rPr lang="en-US" dirty="0">
-                <a:solidFill>
-                  <a:schemeClr val="accent2"/>
-                </a:solidFill>
-              </a:rPr>
-              <a:t>7. Public Bankruptcy Records</a:t>
-            </a:r>
-          </a:p>
-          <a:p>
-            <a:pPr marL="0" indent="0">
-              <a:buNone/>
-            </a:pPr>
-            <a:r>
-              <a:rPr lang="en-US" sz="1500" dirty="0"/>
-              <a:t>The lender needs to be very careful with people having any bankruptcy record, since they have very high chance of defaulting.</a:t>
-            </a:r>
-          </a:p>
-          <a:p>
-            <a:pPr marL="0" indent="0">
-              <a:buNone/>
-            </a:pPr>
-            <a:endParaRPr lang="en-US" sz="1500" dirty="0"/>
-          </a:p>
-          <a:p>
-            <a:pPr marL="0" indent="0">
-              <a:buNone/>
-            </a:pPr>
-            <a:r>
-              <a:rPr lang="en-US" dirty="0">
-                <a:solidFill>
-                  <a:schemeClr val="accent2"/>
-                </a:solidFill>
-              </a:rPr>
-              <a:t>8. Annual Income</a:t>
-            </a:r>
-          </a:p>
-          <a:p>
-            <a:r>
-              <a:rPr lang="en-US" sz="2000" dirty="0"/>
-              <a:t>The Lending Company should be careful to approve loans for applicants with annual income of less than 40k or even better anybody less than 60k.</a:t>
-            </a:r>
-          </a:p>
-          <a:p>
-            <a:r>
-              <a:rPr lang="en-US" sz="2000" dirty="0"/>
-              <a:t>Income range 80k+ has less chances of charged off</a:t>
-            </a:r>
-          </a:p>
-          <a:p>
-            <a:r>
-              <a:rPr lang="en-US" sz="2000" dirty="0"/>
-              <a:t>Increase in annual income charged off proportion decreases.</a:t>
-            </a:r>
-          </a:p>
-        </p:txBody>
-      </p:sp>
-    </p:spTree>
-    <p:extLst>
-      <p:ext uri="{BB962C8B-B14F-4D97-AF65-F5344CB8AC3E}">
-        <p14:creationId xmlns:p14="http://schemas.microsoft.com/office/powerpoint/2010/main" val="3942832005"/>
-      </p:ext>
-    </p:extLst>
-  </p:cSld>
-  <p:clrMapOvr>
-    <a:masterClrMapping/>
-  </p:clrMapOvr>
-</p:sld>
-</file>
-
-<file path=ppt/slides/slide43.xml><?xml version="1.0" encoding="utf-8"?>
 <p:sld xmlns:a="http://schemas.openxmlformats.org/drawingml/2006/main" xmlns:r="http://schemas.openxmlformats.org/officeDocument/2006/relationships" xmlns:p="http://schemas.openxmlformats.org/presentationml/2006/main">
   <p:cSld>
     <p:bg>
@@ -25934,92 +24902,6 @@
 </a:themeOverride>
 </file>
 
-<file path=ppt/theme/themeOverride10.xml><?xml version="1.0" encoding="utf-8"?>
-<a:themeOverride xmlns:a="http://schemas.openxmlformats.org/drawingml/2006/main">
-  <a:clrScheme name="Office">
-    <a:dk1>
-      <a:sysClr val="windowText" lastClr="000000"/>
-    </a:dk1>
-    <a:lt1>
-      <a:sysClr val="window" lastClr="FFFFFF"/>
-    </a:lt1>
-    <a:dk2>
-      <a:srgbClr val="44546A"/>
-    </a:dk2>
-    <a:lt2>
-      <a:srgbClr val="E7E6E6"/>
-    </a:lt2>
-    <a:accent1>
-      <a:srgbClr val="4472C4"/>
-    </a:accent1>
-    <a:accent2>
-      <a:srgbClr val="ED7D31"/>
-    </a:accent2>
-    <a:accent3>
-      <a:srgbClr val="A5A5A5"/>
-    </a:accent3>
-    <a:accent4>
-      <a:srgbClr val="FFC000"/>
-    </a:accent4>
-    <a:accent5>
-      <a:srgbClr val="5B9BD5"/>
-    </a:accent5>
-    <a:accent6>
-      <a:srgbClr val="70AD47"/>
-    </a:accent6>
-    <a:hlink>
-      <a:srgbClr val="0563C1"/>
-    </a:hlink>
-    <a:folHlink>
-      <a:srgbClr val="954F72"/>
-    </a:folHlink>
-  </a:clrScheme>
-</a:themeOverride>
-</file>
-
-<file path=ppt/theme/themeOverride11.xml><?xml version="1.0" encoding="utf-8"?>
-<a:themeOverride xmlns:a="http://schemas.openxmlformats.org/drawingml/2006/main">
-  <a:clrScheme name="Office">
-    <a:dk1>
-      <a:sysClr val="windowText" lastClr="000000"/>
-    </a:dk1>
-    <a:lt1>
-      <a:sysClr val="window" lastClr="FFFFFF"/>
-    </a:lt1>
-    <a:dk2>
-      <a:srgbClr val="44546A"/>
-    </a:dk2>
-    <a:lt2>
-      <a:srgbClr val="E7E6E6"/>
-    </a:lt2>
-    <a:accent1>
-      <a:srgbClr val="4472C4"/>
-    </a:accent1>
-    <a:accent2>
-      <a:srgbClr val="ED7D31"/>
-    </a:accent2>
-    <a:accent3>
-      <a:srgbClr val="A5A5A5"/>
-    </a:accent3>
-    <a:accent4>
-      <a:srgbClr val="FFC000"/>
-    </a:accent4>
-    <a:accent5>
-      <a:srgbClr val="5B9BD5"/>
-    </a:accent5>
-    <a:accent6>
-      <a:srgbClr val="70AD47"/>
-    </a:accent6>
-    <a:hlink>
-      <a:srgbClr val="0563C1"/>
-    </a:hlink>
-    <a:folHlink>
-      <a:srgbClr val="954F72"/>
-    </a:folHlink>
-  </a:clrScheme>
-</a:themeOverride>
-</file>
-
 <file path=ppt/theme/themeOverride2.xml><?xml version="1.0" encoding="utf-8"?>
 <a:themeOverride xmlns:a="http://schemas.openxmlformats.org/drawingml/2006/main">
   <a:clrScheme name="Office">
@@ -26319,47 +25201,4 @@
     </a:folHlink>
   </a:clrScheme>
 </a:themeOverride>
-</file>
-
-<file path=ppt/theme/themeOverride9.xml><?xml version="1.0" encoding="utf-8"?>
-<a:themeOverride xmlns:a="http://schemas.openxmlformats.org/drawingml/2006/main">
-  <a:clrScheme name="Office">
-    <a:dk1>
-      <a:sysClr val="windowText" lastClr="000000"/>
-    </a:dk1>
-    <a:lt1>
-      <a:sysClr val="window" lastClr="FFFFFF"/>
-    </a:lt1>
-    <a:dk2>
-      <a:srgbClr val="44546A"/>
-    </a:dk2>
-    <a:lt2>
-      <a:srgbClr val="E7E6E6"/>
-    </a:lt2>
-    <a:accent1>
-      <a:srgbClr val="4472C4"/>
-    </a:accent1>
-    <a:accent2>
-      <a:srgbClr val="ED7D31"/>
-    </a:accent2>
-    <a:accent3>
-      <a:srgbClr val="A5A5A5"/>
-    </a:accent3>
-    <a:accent4>
-      <a:srgbClr val="FFC000"/>
-    </a:accent4>
-    <a:accent5>
-      <a:srgbClr val="5B9BD5"/>
-    </a:accent5>
-    <a:accent6>
-      <a:srgbClr val="70AD47"/>
-    </a:accent6>
-    <a:hlink>
-      <a:srgbClr val="0563C1"/>
-    </a:hlink>
-    <a:folHlink>
-      <a:srgbClr val="954F72"/>
-    </a:folHlink>
-  </a:clrScheme>
-</a:themeOverride>
 </file>